--- a/docs/lectures/07-Logistic2.pptx
+++ b/docs/lectures/07-Logistic2.pptx
@@ -355,7 +355,7 @@
           <a:p>
             <a:fld id="{08BD4FA9-F3CE-45B3-A980-C331C6F1EF65}" type="datetimeFigureOut">
               <a:rPr lang="en-US" smtClean="0"/>
-              <a:t>12/5/2022</a:t>
+              <a:t>12/12/2022</a:t>
             </a:fld>
             <a:endParaRPr lang="en-US"/>
           </a:p>
@@ -628,7 +628,7 @@
           <a:p>
             <a:fld id="{EAAD3657-2200-4D14-82C0-10C39B0F0F06}" type="datetime1">
               <a:rPr lang="en-US" smtClean="0"/>
-              <a:t>12/5/2022</a:t>
+              <a:t>12/12/2022</a:t>
             </a:fld>
             <a:endParaRPr lang="en-US"/>
           </a:p>
@@ -796,7 +796,7 @@
           <a:p>
             <a:fld id="{11BBAF55-A85E-4993-914E-FC1E5AA7DF24}" type="datetime1">
               <a:rPr lang="en-US" smtClean="0"/>
-              <a:t>12/5/2022</a:t>
+              <a:t>12/12/2022</a:t>
             </a:fld>
             <a:endParaRPr lang="en-US"/>
           </a:p>
@@ -974,7 +974,7 @@
           <a:p>
             <a:fld id="{39816E07-E1DB-44A4-A5E5-9F4B54E8C933}" type="datetime1">
               <a:rPr lang="en-US" smtClean="0"/>
-              <a:t>12/5/2022</a:t>
+              <a:t>12/12/2022</a:t>
             </a:fld>
             <a:endParaRPr lang="en-US"/>
           </a:p>
@@ -1159,7 +1159,7 @@
           <a:p>
             <a:fld id="{C2B1AD17-B813-4477-8AFE-B1860CC59113}" type="datetime1">
               <a:rPr lang="en-US" smtClean="0"/>
-              <a:t>12/5/2022</a:t>
+              <a:t>12/12/2022</a:t>
             </a:fld>
             <a:endParaRPr lang="en-US"/>
           </a:p>
@@ -1404,7 +1404,7 @@
           <a:p>
             <a:fld id="{D0975C0D-5C9E-48CC-8D31-F42D19FA8F7A}" type="datetime1">
               <a:rPr lang="en-US" smtClean="0"/>
-              <a:t>12/5/2022</a:t>
+              <a:t>12/12/2022</a:t>
             </a:fld>
             <a:endParaRPr lang="en-US"/>
           </a:p>
@@ -1689,7 +1689,7 @@
           <a:p>
             <a:fld id="{28657551-0F2B-4F09-86FD-F7994CE83DC5}" type="datetime1">
               <a:rPr lang="en-US" smtClean="0"/>
-              <a:t>12/5/2022</a:t>
+              <a:t>12/12/2022</a:t>
             </a:fld>
             <a:endParaRPr lang="en-US"/>
           </a:p>
@@ -2108,7 +2108,7 @@
           <a:p>
             <a:fld id="{3929D2B2-4200-46B9-96C3-02A55D5FAA00}" type="datetime1">
               <a:rPr lang="en-US" smtClean="0"/>
-              <a:t>12/5/2022</a:t>
+              <a:t>12/12/2022</a:t>
             </a:fld>
             <a:endParaRPr lang="en-US"/>
           </a:p>
@@ -2225,7 +2225,7 @@
           <a:p>
             <a:fld id="{41FF7722-74E8-497F-A072-89677A2C2373}" type="datetime1">
               <a:rPr lang="en-US" smtClean="0"/>
-              <a:t>12/5/2022</a:t>
+              <a:t>12/12/2022</a:t>
             </a:fld>
             <a:endParaRPr lang="en-US"/>
           </a:p>
@@ -2320,7 +2320,7 @@
           <a:p>
             <a:fld id="{BD26212E-B46B-426F-AE59-AA326827D9E0}" type="datetime1">
               <a:rPr lang="en-US" smtClean="0"/>
-              <a:t>12/5/2022</a:t>
+              <a:t>12/12/2022</a:t>
             </a:fld>
             <a:endParaRPr lang="en-US"/>
           </a:p>
@@ -2595,7 +2595,7 @@
           <a:p>
             <a:fld id="{FB9B81E8-09EA-4684-A39F-38DE1E49D20C}" type="datetime1">
               <a:rPr lang="en-US" smtClean="0"/>
-              <a:t>12/5/2022</a:t>
+              <a:t>12/12/2022</a:t>
             </a:fld>
             <a:endParaRPr lang="en-US"/>
           </a:p>
@@ -2847,7 +2847,7 @@
           <a:p>
             <a:fld id="{35C5CC5F-056C-4047-9A5C-9F5B4BED129B}" type="datetime1">
               <a:rPr lang="en-US" smtClean="0"/>
-              <a:t>12/5/2022</a:t>
+              <a:t>12/12/2022</a:t>
             </a:fld>
             <a:endParaRPr lang="en-US"/>
           </a:p>
@@ -3061,7 +3061,7 @@
           <a:p>
             <a:fld id="{E8171053-07BD-4A17-AC24-0A22EAA36098}" type="datetime1">
               <a:rPr lang="en-US" smtClean="0"/>
-              <a:t>12/5/2022</a:t>
+              <a:t>12/12/2022</a:t>
             </a:fld>
             <a:endParaRPr lang="en-US"/>
           </a:p>
@@ -9409,7 +9409,7 @@
         <p:spPr/>
         <p:txBody>
           <a:bodyPr>
-            <a:normAutofit fontScale="90000"/>
+            <a:normAutofit/>
           </a:bodyPr>
           <a:lstStyle/>
           <a:p>
@@ -13650,6 +13650,18 @@
   <p:clrMapOvr>
     <a:masterClrMapping/>
   </p:clrMapOvr>
+  <mc:AlternateContent xmlns:mc="http://schemas.openxmlformats.org/markup-compatibility/2006">
+    <mc:Choice xmlns:p14="http://schemas.microsoft.com/office/powerpoint/2010/main" Requires="p14">
+      <p:transition spd="slow" p14:dur="2000">
+        <p14:prism isContent="1"/>
+      </p:transition>
+    </mc:Choice>
+    <mc:Fallback>
+      <p:transition spd="slow">
+        <p:fade/>
+      </p:transition>
+    </mc:Fallback>
+  </mc:AlternateContent>
 </p:sld>
 </file>
 
@@ -16951,6 +16963,18 @@
   <p:clrMapOvr>
     <a:masterClrMapping/>
   </p:clrMapOvr>
+  <mc:AlternateContent xmlns:mc="http://schemas.openxmlformats.org/markup-compatibility/2006">
+    <mc:Choice xmlns:p14="http://schemas.microsoft.com/office/powerpoint/2010/main" Requires="p14">
+      <p:transition spd="slow" p14:dur="2000">
+        <p14:prism isContent="1"/>
+      </p:transition>
+    </mc:Choice>
+    <mc:Fallback>
+      <p:transition spd="slow">
+        <p:fade/>
+      </p:transition>
+    </mc:Fallback>
+  </mc:AlternateContent>
 </p:sld>
 </file>
 
@@ -18324,12 +18348,12 @@
           <a:graphicData uri="http://schemas.openxmlformats.org/presentationml/2006/ole">
             <mc:AlternateContent xmlns:mc="http://schemas.openxmlformats.org/markup-compatibility/2006">
               <mc:Choice xmlns:v="urn:schemas-microsoft-com:vml" Requires="v">
-                <p:oleObj name="Equation" r:id="rId2" imgW="3390840" imgH="457200" progId="Equation.DSMT4">
+                <p:oleObj spid="_x0000_s1026" name="Equation" r:id="rId3" imgW="3390840" imgH="457200" progId="Equation.DSMT4">
                   <p:embed/>
                 </p:oleObj>
               </mc:Choice>
               <mc:Fallback>
-                <p:oleObj name="Equation" r:id="rId2" imgW="3390840" imgH="457200" progId="Equation.DSMT4">
+                <p:oleObj name="Equation" r:id="rId3" imgW="3390840" imgH="457200" progId="Equation.DSMT4">
                   <p:embed/>
                   <p:pic>
                     <p:nvPicPr>
@@ -18338,7 +18362,7 @@
                       <p:nvPr/>
                     </p:nvPicPr>
                     <p:blipFill>
-                      <a:blip r:embed="rId3"/>
+                      <a:blip r:embed="rId4"/>
                       <a:stretch>
                         <a:fillRect/>
                       </a:stretch>
@@ -18387,12 +18411,12 @@
           <a:graphicData uri="http://schemas.openxmlformats.org/presentationml/2006/ole">
             <mc:AlternateContent xmlns:mc="http://schemas.openxmlformats.org/markup-compatibility/2006">
               <mc:Choice xmlns:v="urn:schemas-microsoft-com:vml" Requires="v">
-                <p:oleObj name="Equation" r:id="rId4" imgW="3644640" imgH="457200" progId="Equation.DSMT4">
+                <p:oleObj spid="_x0000_s1027" name="Equation" r:id="rId5" imgW="3644640" imgH="457200" progId="Equation.DSMT4">
                   <p:embed/>
                 </p:oleObj>
               </mc:Choice>
               <mc:Fallback>
-                <p:oleObj name="Equation" r:id="rId4" imgW="3644640" imgH="457200" progId="Equation.DSMT4">
+                <p:oleObj name="Equation" r:id="rId5" imgW="3644640" imgH="457200" progId="Equation.DSMT4">
                   <p:embed/>
                   <p:pic>
                     <p:nvPicPr>
@@ -18401,7 +18425,7 @@
                       <p:nvPr/>
                     </p:nvPicPr>
                     <p:blipFill>
-                      <a:blip r:embed="rId5"/>
+                      <a:blip r:embed="rId6"/>
                       <a:stretch>
                         <a:fillRect/>
                       </a:stretch>
@@ -20066,6 +20090,18 @@
   <p:clrMapOvr>
     <a:masterClrMapping/>
   </p:clrMapOvr>
+  <mc:AlternateContent xmlns:mc="http://schemas.openxmlformats.org/markup-compatibility/2006">
+    <mc:Choice xmlns:p14="http://schemas.microsoft.com/office/powerpoint/2010/main" Requires="p14">
+      <p:transition spd="slow" p14:dur="2000">
+        <p14:prism isContent="1"/>
+      </p:transition>
+    </mc:Choice>
+    <mc:Fallback>
+      <p:transition spd="slow">
+        <p:fade/>
+      </p:transition>
+    </mc:Fallback>
+  </mc:AlternateContent>
 </p:sld>
 </file>
 

--- a/docs/lectures/07-Logistic2.pptx
+++ b/docs/lectures/07-Logistic2.pptx
@@ -355,7 +355,7 @@
           <a:p>
             <a:fld id="{08BD4FA9-F3CE-45B3-A980-C331C6F1EF65}" type="datetimeFigureOut">
               <a:rPr lang="en-US" smtClean="0"/>
-              <a:t>12/12/2022</a:t>
+              <a:t>12/15/2022</a:t>
             </a:fld>
             <a:endParaRPr lang="en-US"/>
           </a:p>
@@ -628,7 +628,7 @@
           <a:p>
             <a:fld id="{EAAD3657-2200-4D14-82C0-10C39B0F0F06}" type="datetime1">
               <a:rPr lang="en-US" smtClean="0"/>
-              <a:t>12/12/2022</a:t>
+              <a:t>12/15/2022</a:t>
             </a:fld>
             <a:endParaRPr lang="en-US"/>
           </a:p>
@@ -796,7 +796,7 @@
           <a:p>
             <a:fld id="{11BBAF55-A85E-4993-914E-FC1E5AA7DF24}" type="datetime1">
               <a:rPr lang="en-US" smtClean="0"/>
-              <a:t>12/12/2022</a:t>
+              <a:t>12/15/2022</a:t>
             </a:fld>
             <a:endParaRPr lang="en-US"/>
           </a:p>
@@ -974,7 +974,7 @@
           <a:p>
             <a:fld id="{39816E07-E1DB-44A4-A5E5-9F4B54E8C933}" type="datetime1">
               <a:rPr lang="en-US" smtClean="0"/>
-              <a:t>12/12/2022</a:t>
+              <a:t>12/15/2022</a:t>
             </a:fld>
             <a:endParaRPr lang="en-US"/>
           </a:p>
@@ -1159,7 +1159,7 @@
           <a:p>
             <a:fld id="{C2B1AD17-B813-4477-8AFE-B1860CC59113}" type="datetime1">
               <a:rPr lang="en-US" smtClean="0"/>
-              <a:t>12/12/2022</a:t>
+              <a:t>12/15/2022</a:t>
             </a:fld>
             <a:endParaRPr lang="en-US"/>
           </a:p>
@@ -1404,7 +1404,7 @@
           <a:p>
             <a:fld id="{D0975C0D-5C9E-48CC-8D31-F42D19FA8F7A}" type="datetime1">
               <a:rPr lang="en-US" smtClean="0"/>
-              <a:t>12/12/2022</a:t>
+              <a:t>12/15/2022</a:t>
             </a:fld>
             <a:endParaRPr lang="en-US"/>
           </a:p>
@@ -1689,7 +1689,7 @@
           <a:p>
             <a:fld id="{28657551-0F2B-4F09-86FD-F7994CE83DC5}" type="datetime1">
               <a:rPr lang="en-US" smtClean="0"/>
-              <a:t>12/12/2022</a:t>
+              <a:t>12/15/2022</a:t>
             </a:fld>
             <a:endParaRPr lang="en-US"/>
           </a:p>
@@ -2108,7 +2108,7 @@
           <a:p>
             <a:fld id="{3929D2B2-4200-46B9-96C3-02A55D5FAA00}" type="datetime1">
               <a:rPr lang="en-US" smtClean="0"/>
-              <a:t>12/12/2022</a:t>
+              <a:t>12/15/2022</a:t>
             </a:fld>
             <a:endParaRPr lang="en-US"/>
           </a:p>
@@ -2225,7 +2225,7 @@
           <a:p>
             <a:fld id="{41FF7722-74E8-497F-A072-89677A2C2373}" type="datetime1">
               <a:rPr lang="en-US" smtClean="0"/>
-              <a:t>12/12/2022</a:t>
+              <a:t>12/15/2022</a:t>
             </a:fld>
             <a:endParaRPr lang="en-US"/>
           </a:p>
@@ -2320,7 +2320,7 @@
           <a:p>
             <a:fld id="{BD26212E-B46B-426F-AE59-AA326827D9E0}" type="datetime1">
               <a:rPr lang="en-US" smtClean="0"/>
-              <a:t>12/12/2022</a:t>
+              <a:t>12/15/2022</a:t>
             </a:fld>
             <a:endParaRPr lang="en-US"/>
           </a:p>
@@ -2595,7 +2595,7 @@
           <a:p>
             <a:fld id="{FB9B81E8-09EA-4684-A39F-38DE1E49D20C}" type="datetime1">
               <a:rPr lang="en-US" smtClean="0"/>
-              <a:t>12/12/2022</a:t>
+              <a:t>12/15/2022</a:t>
             </a:fld>
             <a:endParaRPr lang="en-US"/>
           </a:p>
@@ -2847,7 +2847,7 @@
           <a:p>
             <a:fld id="{35C5CC5F-056C-4047-9A5C-9F5B4BED129B}" type="datetime1">
               <a:rPr lang="en-US" smtClean="0"/>
-              <a:t>12/12/2022</a:t>
+              <a:t>12/15/2022</a:t>
             </a:fld>
             <a:endParaRPr lang="en-US"/>
           </a:p>
@@ -3061,7 +3061,7 @@
           <a:p>
             <a:fld id="{E8171053-07BD-4A17-AC24-0A22EAA36098}" type="datetime1">
               <a:rPr lang="en-US" smtClean="0"/>
-              <a:t>12/12/2022</a:t>
+              <a:t>12/15/2022</a:t>
             </a:fld>
             <a:endParaRPr lang="en-US"/>
           </a:p>
@@ -4017,7 +4017,19 @@
             </a:r>
             <a:r>
               <a:rPr lang="en-US" sz="2400" dirty="0"/>
-              <a:t> effect of age:</a:t>
+              <a:t> effect of age, w/, w/o </a:t>
+            </a:r>
+            <a:r>
+              <a:rPr lang="en-US" sz="2400" dirty="0">
+                <a:solidFill>
+                  <a:srgbClr val="0070C0"/>
+                </a:solidFill>
+              </a:rPr>
+              <a:t>interaction</a:t>
+            </a:r>
+            <a:r>
+              <a:rPr lang="en-US" sz="2400" dirty="0"/>
+              <a:t> age*sex</a:t>
             </a:r>
           </a:p>
         </p:txBody>
@@ -5979,6 +5991,18 @@
   <p:clrMapOvr>
     <a:masterClrMapping/>
   </p:clrMapOvr>
+  <mc:AlternateContent xmlns:mc="http://schemas.openxmlformats.org/markup-compatibility/2006" xmlns:p14="http://schemas.microsoft.com/office/powerpoint/2010/main">
+    <mc:Choice Requires="p14">
+      <p:transition spd="slow" p14:dur="2000">
+        <p14:prism isContent="1"/>
+      </p:transition>
+    </mc:Choice>
+    <mc:Fallback xmlns="">
+      <p:transition spd="slow">
+        <p:fade/>
+      </p:transition>
+    </mc:Fallback>
+  </mc:AlternateContent>
 </p:sld>
 </file>
 
@@ -10504,8 +10528,20 @@
           <a:lstStyle/>
           <a:p>
             <a:r>
+              <a:rPr lang="en-US" sz="2000" b="1" dirty="0">
+                <a:solidFill>
+                  <a:schemeClr val="accent6">
+                    <a:lumMod val="50000"/>
+                  </a:schemeClr>
+                </a:solidFill>
+                <a:latin typeface="Courier New" panose="02070309020205020404" pitchFamily="49" charset="0"/>
+                <a:cs typeface="Courier New" panose="02070309020205020404" pitchFamily="49" charset="0"/>
+              </a:rPr>
+              <a:t>summary() </a:t>
+            </a:r>
+            <a:r>
               <a:rPr lang="en-US" sz="2400" dirty="0"/>
-              <a:t>summary() gives the standard statistical results</a:t>
+              <a:t>gives the standard statistical results</a:t>
             </a:r>
           </a:p>
         </p:txBody>
@@ -10524,7 +10560,7 @@
         </p:nvGrpSpPr>
         <p:grpSpPr>
           <a:xfrm>
-            <a:off x="2552701" y="5274355"/>
+            <a:off x="3149601" y="5274355"/>
             <a:ext cx="4470399" cy="1071293"/>
             <a:chOff x="2552701" y="5274355"/>
             <a:chExt cx="4470399" cy="1071293"/>
@@ -11241,6 +11277,41 @@
           </p:txBody>
         </p:sp>
       </p:grpSp>
+      <p:sp>
+        <p:nvSpPr>
+          <p:cNvPr id="10" name="TextBox 9">
+            <a:extLst>
+              <a:ext uri="{FF2B5EF4-FFF2-40B4-BE49-F238E27FC236}">
+                <a16:creationId xmlns:a16="http://schemas.microsoft.com/office/drawing/2014/main" id="{4C39B1F2-A646-4960-9D9D-7533CDD593DA}"/>
+              </a:ext>
+            </a:extLst>
+          </p:cNvPr>
+          <p:cNvSpPr txBox="1"/>
+          <p:nvPr/>
+        </p:nvSpPr>
+        <p:spPr>
+          <a:xfrm>
+            <a:off x="901701" y="5584292"/>
+            <a:ext cx="2209800" cy="584775"/>
+          </a:xfrm>
+          <a:prstGeom prst="rect">
+            <a:avLst/>
+          </a:prstGeom>
+          <a:noFill/>
+        </p:spPr>
+        <p:txBody>
+          <a:bodyPr wrap="square" rtlCol="0">
+            <a:spAutoFit/>
+          </a:bodyPr>
+          <a:lstStyle/>
+          <a:p>
+            <a:r>
+              <a:rPr lang="en-US" sz="1600" dirty="0"/>
+              <a:t>Interpretation of intercepts</a:t>
+            </a:r>
+          </a:p>
+        </p:txBody>
+      </p:sp>
     </p:spTree>
     <p:extLst>
       <p:ext uri="{BB962C8B-B14F-4D97-AF65-F5344CB8AC3E}">
@@ -11528,16 +11599,44 @@
           <a:lstStyle/>
           <a:p>
             <a:r>
+              <a:rPr lang="en-US" sz="2200" b="1" dirty="0">
+                <a:solidFill>
+                  <a:schemeClr val="accent6">
+                    <a:lumMod val="50000"/>
+                  </a:schemeClr>
+                </a:solidFill>
+                <a:latin typeface="Courier New" panose="02070309020205020404" pitchFamily="49" charset="0"/>
+                <a:cs typeface="Courier New" panose="02070309020205020404" pitchFamily="49" charset="0"/>
+              </a:rPr>
+              <a:t>car::</a:t>
+            </a:r>
+            <a:r>
+              <a:rPr lang="en-US" sz="2200" b="1" dirty="0" err="1">
+                <a:solidFill>
+                  <a:schemeClr val="accent6">
+                    <a:lumMod val="50000"/>
+                  </a:schemeClr>
+                </a:solidFill>
+                <a:latin typeface="Courier New" panose="02070309020205020404" pitchFamily="49" charset="0"/>
+                <a:cs typeface="Courier New" panose="02070309020205020404" pitchFamily="49" charset="0"/>
+              </a:rPr>
+              <a:t>Anova</a:t>
+            </a:r>
+            <a:r>
+              <a:rPr lang="en-US" sz="2200" b="1" dirty="0">
+                <a:solidFill>
+                  <a:schemeClr val="accent6">
+                    <a:lumMod val="50000"/>
+                  </a:schemeClr>
+                </a:solidFill>
+                <a:latin typeface="Courier New" panose="02070309020205020404" pitchFamily="49" charset="0"/>
+                <a:cs typeface="Courier New" panose="02070309020205020404" pitchFamily="49" charset="0"/>
+              </a:rPr>
+              <a:t>() </a:t>
+            </a:r>
+            <a:r>
               <a:rPr lang="en-US" sz="2400" dirty="0"/>
-              <a:t>car::</a:t>
-            </a:r>
-            <a:r>
-              <a:rPr lang="en-US" sz="2400" dirty="0" err="1"/>
-              <a:t>Anova</a:t>
-            </a:r>
-            <a:r>
-              <a:rPr lang="en-US" sz="2400" dirty="0"/>
-              <a:t>() gives hypothesis tests for the model terms</a:t>
+              <a:t>gives hypothesis tests for the model terms</a:t>
             </a:r>
           </a:p>
         </p:txBody>
@@ -12385,6 +12484,186 @@
   <p:clrMapOvr>
     <a:masterClrMapping/>
   </p:clrMapOvr>
+  <p:timing>
+    <p:tnLst>
+      <p:par>
+        <p:cTn id="1" dur="indefinite" restart="never" nodeType="tmRoot">
+          <p:childTnLst>
+            <p:seq concurrent="1" nextAc="seek">
+              <p:cTn id="2" dur="indefinite" nodeType="mainSeq">
+                <p:childTnLst>
+                  <p:par>
+                    <p:cTn id="3" fill="hold">
+                      <p:stCondLst>
+                        <p:cond delay="indefinite"/>
+                      </p:stCondLst>
+                      <p:childTnLst>
+                        <p:par>
+                          <p:cTn id="4" fill="hold">
+                            <p:stCondLst>
+                              <p:cond delay="0"/>
+                            </p:stCondLst>
+                            <p:childTnLst>
+                              <p:par>
+                                <p:cTn id="5" presetID="1" presetClass="entr" presetSubtype="0" fill="hold" grpId="0" nodeType="clickEffect">
+                                  <p:stCondLst>
+                                    <p:cond delay="0"/>
+                                  </p:stCondLst>
+                                  <p:childTnLst>
+                                    <p:set>
+                                      <p:cBhvr>
+                                        <p:cTn id="6" dur="1" fill="hold">
+                                          <p:stCondLst>
+                                            <p:cond delay="0"/>
+                                          </p:stCondLst>
+                                        </p:cTn>
+                                        <p:tgtEl>
+                                          <p:spTgt spid="8"/>
+                                        </p:tgtEl>
+                                        <p:attrNameLst>
+                                          <p:attrName>style.visibility</p:attrName>
+                                        </p:attrNameLst>
+                                      </p:cBhvr>
+                                      <p:to>
+                                        <p:strVal val="visible"/>
+                                      </p:to>
+                                    </p:set>
+                                  </p:childTnLst>
+                                </p:cTn>
+                              </p:par>
+                              <p:par>
+                                <p:cTn id="7" presetID="1" presetClass="entr" presetSubtype="0" fill="hold" grpId="0" nodeType="withEffect">
+                                  <p:stCondLst>
+                                    <p:cond delay="0"/>
+                                  </p:stCondLst>
+                                  <p:childTnLst>
+                                    <p:set>
+                                      <p:cBhvr>
+                                        <p:cTn id="8" dur="1" fill="hold">
+                                          <p:stCondLst>
+                                            <p:cond delay="0"/>
+                                          </p:stCondLst>
+                                        </p:cTn>
+                                        <p:tgtEl>
+                                          <p:spTgt spid="9"/>
+                                        </p:tgtEl>
+                                        <p:attrNameLst>
+                                          <p:attrName>style.visibility</p:attrName>
+                                        </p:attrNameLst>
+                                      </p:cBhvr>
+                                      <p:to>
+                                        <p:strVal val="visible"/>
+                                      </p:to>
+                                    </p:set>
+                                  </p:childTnLst>
+                                </p:cTn>
+                              </p:par>
+                            </p:childTnLst>
+                          </p:cTn>
+                        </p:par>
+                      </p:childTnLst>
+                    </p:cTn>
+                  </p:par>
+                  <p:par>
+                    <p:cTn id="9" fill="hold">
+                      <p:stCondLst>
+                        <p:cond delay="indefinite"/>
+                      </p:stCondLst>
+                      <p:childTnLst>
+                        <p:par>
+                          <p:cTn id="10" fill="hold">
+                            <p:stCondLst>
+                              <p:cond delay="0"/>
+                            </p:stCondLst>
+                            <p:childTnLst>
+                              <p:par>
+                                <p:cTn id="11" presetID="1" presetClass="entr" presetSubtype="0" fill="hold" grpId="0" nodeType="clickEffect">
+                                  <p:stCondLst>
+                                    <p:cond delay="0"/>
+                                  </p:stCondLst>
+                                  <p:childTnLst>
+                                    <p:set>
+                                      <p:cBhvr>
+                                        <p:cTn id="12" dur="1" fill="hold">
+                                          <p:stCondLst>
+                                            <p:cond delay="0"/>
+                                          </p:stCondLst>
+                                        </p:cTn>
+                                        <p:tgtEl>
+                                          <p:spTgt spid="11"/>
+                                        </p:tgtEl>
+                                        <p:attrNameLst>
+                                          <p:attrName>style.visibility</p:attrName>
+                                        </p:attrNameLst>
+                                      </p:cBhvr>
+                                      <p:to>
+                                        <p:strVal val="visible"/>
+                                      </p:to>
+                                    </p:set>
+                                  </p:childTnLst>
+                                </p:cTn>
+                              </p:par>
+                              <p:par>
+                                <p:cTn id="13" presetID="1" presetClass="entr" presetSubtype="0" fill="hold" grpId="0" nodeType="withEffect">
+                                  <p:stCondLst>
+                                    <p:cond delay="0"/>
+                                  </p:stCondLst>
+                                  <p:childTnLst>
+                                    <p:set>
+                                      <p:cBhvr>
+                                        <p:cTn id="14" dur="1" fill="hold">
+                                          <p:stCondLst>
+                                            <p:cond delay="0"/>
+                                          </p:stCondLst>
+                                        </p:cTn>
+                                        <p:tgtEl>
+                                          <p:spTgt spid="10"/>
+                                        </p:tgtEl>
+                                        <p:attrNameLst>
+                                          <p:attrName>style.visibility</p:attrName>
+                                        </p:attrNameLst>
+                                      </p:cBhvr>
+                                      <p:to>
+                                        <p:strVal val="visible"/>
+                                      </p:to>
+                                    </p:set>
+                                  </p:childTnLst>
+                                </p:cTn>
+                              </p:par>
+                            </p:childTnLst>
+                          </p:cTn>
+                        </p:par>
+                      </p:childTnLst>
+                    </p:cTn>
+                  </p:par>
+                </p:childTnLst>
+              </p:cTn>
+              <p:prevCondLst>
+                <p:cond evt="onPrev" delay="0">
+                  <p:tgtEl>
+                    <p:sldTgt/>
+                  </p:tgtEl>
+                </p:cond>
+              </p:prevCondLst>
+              <p:nextCondLst>
+                <p:cond evt="onNext" delay="0">
+                  <p:tgtEl>
+                    <p:sldTgt/>
+                  </p:tgtEl>
+                </p:cond>
+              </p:nextCondLst>
+            </p:seq>
+          </p:childTnLst>
+        </p:cTn>
+      </p:par>
+    </p:tnLst>
+    <p:bldLst>
+      <p:bldP spid="8" grpId="0"/>
+      <p:bldP spid="9" grpId="0" animBg="1"/>
+      <p:bldP spid="10" grpId="0"/>
+      <p:bldP spid="11" grpId="0" animBg="1"/>
+    </p:bldLst>
+  </p:timing>
 </p:sld>
 </file>
 
@@ -13650,13 +13929,13 @@
   <p:clrMapOvr>
     <a:masterClrMapping/>
   </p:clrMapOvr>
-  <mc:AlternateContent xmlns:mc="http://schemas.openxmlformats.org/markup-compatibility/2006">
-    <mc:Choice xmlns:p14="http://schemas.microsoft.com/office/powerpoint/2010/main" Requires="p14">
+  <mc:AlternateContent xmlns:mc="http://schemas.openxmlformats.org/markup-compatibility/2006" xmlns:p14="http://schemas.microsoft.com/office/powerpoint/2010/main">
+    <mc:Choice Requires="p14">
       <p:transition spd="slow" p14:dur="2000">
         <p14:prism isContent="1"/>
       </p:transition>
     </mc:Choice>
-    <mc:Fallback>
+    <mc:Fallback xmlns="">
       <p:transition spd="slow">
         <p:fade/>
       </p:transition>
@@ -16963,13 +17242,13 @@
   <p:clrMapOvr>
     <a:masterClrMapping/>
   </p:clrMapOvr>
-  <mc:AlternateContent xmlns:mc="http://schemas.openxmlformats.org/markup-compatibility/2006">
-    <mc:Choice xmlns:p14="http://schemas.microsoft.com/office/powerpoint/2010/main" Requires="p14">
+  <mc:AlternateContent xmlns:mc="http://schemas.openxmlformats.org/markup-compatibility/2006" xmlns:p14="http://schemas.microsoft.com/office/powerpoint/2010/main">
+    <mc:Choice Requires="p14">
       <p:transition spd="slow" p14:dur="2000">
         <p14:prism isContent="1"/>
       </p:transition>
     </mc:Choice>
-    <mc:Fallback>
+    <mc:Fallback xmlns="">
       <p:transition spd="slow">
         <p:fade/>
       </p:transition>
@@ -17426,19 +17705,51 @@
               <a:t>Fit the multinomial model using </a:t>
             </a:r>
             <a:r>
-              <a:rPr lang="en-US" dirty="0" err="1"/>
+              <a:rPr lang="en-US" b="1" dirty="0" err="1">
+                <a:solidFill>
+                  <a:schemeClr val="accent6">
+                    <a:lumMod val="50000"/>
+                  </a:schemeClr>
+                </a:solidFill>
+                <a:latin typeface="Courier New" panose="02070309020205020404" pitchFamily="49" charset="0"/>
+                <a:cs typeface="Courier New" panose="02070309020205020404" pitchFamily="49" charset="0"/>
+              </a:rPr>
               <a:t>nnet</a:t>
             </a:r>
             <a:r>
-              <a:rPr lang="en-US" dirty="0"/>
+              <a:rPr lang="en-US" b="1" dirty="0">
+                <a:solidFill>
+                  <a:schemeClr val="accent6">
+                    <a:lumMod val="50000"/>
+                  </a:schemeClr>
+                </a:solidFill>
+                <a:latin typeface="Courier New" panose="02070309020205020404" pitchFamily="49" charset="0"/>
+                <a:cs typeface="Courier New" panose="02070309020205020404" pitchFamily="49" charset="0"/>
+              </a:rPr>
               <a:t>::</a:t>
             </a:r>
             <a:r>
-              <a:rPr lang="en-US" dirty="0" err="1"/>
+              <a:rPr lang="en-US" b="1" dirty="0" err="1">
+                <a:solidFill>
+                  <a:schemeClr val="accent6">
+                    <a:lumMod val="50000"/>
+                  </a:schemeClr>
+                </a:solidFill>
+                <a:latin typeface="Courier New" panose="02070309020205020404" pitchFamily="49" charset="0"/>
+                <a:cs typeface="Courier New" panose="02070309020205020404" pitchFamily="49" charset="0"/>
+              </a:rPr>
               <a:t>multinom</a:t>
             </a:r>
             <a:r>
-              <a:rPr lang="en-US" dirty="0"/>
+              <a:rPr lang="en-US" b="1" dirty="0">
+                <a:solidFill>
+                  <a:schemeClr val="accent6">
+                    <a:lumMod val="50000"/>
+                  </a:schemeClr>
+                </a:solidFill>
+                <a:latin typeface="Courier New" panose="02070309020205020404" pitchFamily="49" charset="0"/>
+                <a:cs typeface="Courier New" panose="02070309020205020404" pitchFamily="49" charset="0"/>
+              </a:rPr>
               <a:t>()</a:t>
             </a:r>
           </a:p>
@@ -17448,12 +17759,32 @@
               <a:t>For ease of interpretation, make </a:t>
             </a:r>
             <a:r>
-              <a:rPr lang="en-US" dirty="0" err="1"/>
+              <a:rPr lang="en-US" b="1" dirty="0" err="1">
+                <a:solidFill>
+                  <a:schemeClr val="accent6">
+                    <a:lumMod val="50000"/>
+                  </a:schemeClr>
+                </a:solidFill>
+                <a:latin typeface="Courier New" panose="02070309020205020404" pitchFamily="49" charset="0"/>
+                <a:cs typeface="Courier New" panose="02070309020205020404" pitchFamily="49" charset="0"/>
+              </a:rPr>
               <a:t>not.work</a:t>
             </a:r>
             <a:r>
+              <a:rPr lang="en-US" b="1" dirty="0">
+                <a:solidFill>
+                  <a:schemeClr val="accent6">
+                    <a:lumMod val="50000"/>
+                  </a:schemeClr>
+                </a:solidFill>
+                <a:latin typeface="Courier New" panose="02070309020205020404" pitchFamily="49" charset="0"/>
+                <a:cs typeface="Courier New" panose="02070309020205020404" pitchFamily="49" charset="0"/>
+              </a:rPr>
+              <a:t> </a:t>
+            </a:r>
+            <a:r>
               <a:rPr lang="en-US" dirty="0"/>
-              <a:t> the reference category </a:t>
+              <a:t>the reference category </a:t>
             </a:r>
           </a:p>
         </p:txBody>
@@ -18348,12 +18679,12 @@
           <a:graphicData uri="http://schemas.openxmlformats.org/presentationml/2006/ole">
             <mc:AlternateContent xmlns:mc="http://schemas.openxmlformats.org/markup-compatibility/2006">
               <mc:Choice xmlns:v="urn:schemas-microsoft-com:vml" Requires="v">
-                <p:oleObj spid="_x0000_s1026" name="Equation" r:id="rId3" imgW="3390840" imgH="457200" progId="Equation.DSMT4">
+                <p:oleObj name="Equation" r:id="rId2" imgW="3390840" imgH="457200" progId="Equation.DSMT4">
                   <p:embed/>
                 </p:oleObj>
               </mc:Choice>
               <mc:Fallback>
-                <p:oleObj name="Equation" r:id="rId3" imgW="3390840" imgH="457200" progId="Equation.DSMT4">
+                <p:oleObj name="Equation" r:id="rId2" imgW="3390840" imgH="457200" progId="Equation.DSMT4">
                   <p:embed/>
                   <p:pic>
                     <p:nvPicPr>
@@ -18362,7 +18693,7 @@
                       <p:nvPr/>
                     </p:nvPicPr>
                     <p:blipFill>
-                      <a:blip r:embed="rId4"/>
+                      <a:blip r:embed="rId3"/>
                       <a:stretch>
                         <a:fillRect/>
                       </a:stretch>
@@ -18411,12 +18742,12 @@
           <a:graphicData uri="http://schemas.openxmlformats.org/presentationml/2006/ole">
             <mc:AlternateContent xmlns:mc="http://schemas.openxmlformats.org/markup-compatibility/2006">
               <mc:Choice xmlns:v="urn:schemas-microsoft-com:vml" Requires="v">
-                <p:oleObj spid="_x0000_s1027" name="Equation" r:id="rId5" imgW="3644640" imgH="457200" progId="Equation.DSMT4">
+                <p:oleObj name="Equation" r:id="rId4" imgW="3644640" imgH="457200" progId="Equation.DSMT4">
                   <p:embed/>
                 </p:oleObj>
               </mc:Choice>
               <mc:Fallback>
-                <p:oleObj name="Equation" r:id="rId5" imgW="3644640" imgH="457200" progId="Equation.DSMT4">
+                <p:oleObj name="Equation" r:id="rId4" imgW="3644640" imgH="457200" progId="Equation.DSMT4">
                   <p:embed/>
                   <p:pic>
                     <p:nvPicPr>
@@ -18425,7 +18756,7 @@
                       <p:nvPr/>
                     </p:nvPicPr>
                     <p:blipFill>
-                      <a:blip r:embed="rId6"/>
+                      <a:blip r:embed="rId5"/>
                       <a:stretch>
                         <a:fillRect/>
                       </a:stretch>
@@ -18950,7 +19281,31 @@
           <a:p>
             <a:r>
               <a:rPr lang="en-US" dirty="0"/>
-              <a:t>An alternative is to plot the predicted probabilities of each level of participation over a grid of predictor values for husband’s income and children.</a:t>
+              <a:t>An alternative is to plot the </a:t>
+            </a:r>
+            <a:r>
+              <a:rPr lang="en-US" dirty="0">
+                <a:solidFill>
+                  <a:srgbClr val="0070C0"/>
+                </a:solidFill>
+              </a:rPr>
+              <a:t>predicted probabilities </a:t>
+            </a:r>
+            <a:r>
+              <a:rPr lang="en-US" dirty="0"/>
+              <a:t>of each level of participation over a </a:t>
+            </a:r>
+            <a:r>
+              <a:rPr lang="en-US" dirty="0">
+                <a:solidFill>
+                  <a:srgbClr val="0070C0"/>
+                </a:solidFill>
+              </a:rPr>
+              <a:t>grid of predictor values </a:t>
+            </a:r>
+            <a:r>
+              <a:rPr lang="en-US" dirty="0"/>
+              <a:t>for husband’s income and children.</a:t>
             </a:r>
           </a:p>
         </p:txBody>
@@ -19239,7 +19594,19 @@
             </a:r>
             <a:r>
               <a:rPr lang="en-US" dirty="0"/>
-              <a:t>, with separate curves for levels of participation. To do this we need to reshape the fit data from wide to long</a:t>
+              <a:t>, with separate curves for levels of participation. To do this we need to </a:t>
+            </a:r>
+            <a:r>
+              <a:rPr lang="en-US" dirty="0">
+                <a:solidFill>
+                  <a:srgbClr val="0070C0"/>
+                </a:solidFill>
+              </a:rPr>
+              <a:t>reshape</a:t>
+            </a:r>
+            <a:r>
+              <a:rPr lang="en-US" dirty="0"/>
+              <a:t> the fit data from wide to long</a:t>
             </a:r>
           </a:p>
         </p:txBody>
@@ -19430,7 +19797,13 @@
           <a:prstGeom prst="rect">
             <a:avLst/>
           </a:prstGeom>
-          <a:noFill/>
+          <a:solidFill>
+            <a:schemeClr val="accent6">
+              <a:lumMod val="20000"/>
+              <a:lumOff val="80000"/>
+              <a:alpha val="60000"/>
+            </a:schemeClr>
+          </a:solidFill>
         </p:spPr>
         <p:txBody>
           <a:bodyPr wrap="square" rtlCol="0">
@@ -19825,7 +20198,67 @@
           <a:p>
             <a:r>
               <a:rPr lang="en-US" dirty="0"/>
-              <a:t>A generalized pairs plot uses different plot types for pairs of continuous, discrete variables</a:t>
+              <a:t>A </a:t>
+            </a:r>
+            <a:r>
+              <a:rPr lang="en-US" dirty="0">
+                <a:solidFill>
+                  <a:srgbClr val="0070C0"/>
+                </a:solidFill>
+              </a:rPr>
+              <a:t>generalized pairs plot </a:t>
+            </a:r>
+            <a:r>
+              <a:rPr lang="en-US" dirty="0"/>
+              <a:t>uses different plot types for pairs of continuous, discrete variables. This plot uses </a:t>
+            </a:r>
+            <a:r>
+              <a:rPr lang="en-US" b="1" dirty="0" err="1">
+                <a:solidFill>
+                  <a:schemeClr val="accent6">
+                    <a:lumMod val="50000"/>
+                  </a:schemeClr>
+                </a:solidFill>
+                <a:latin typeface="Courier New" panose="02070309020205020404" pitchFamily="49" charset="0"/>
+                <a:cs typeface="Courier New" panose="02070309020205020404" pitchFamily="49" charset="0"/>
+              </a:rPr>
+              <a:t>ggpairs</a:t>
+            </a:r>
+            <a:r>
+              <a:rPr lang="en-US" b="1" dirty="0">
+                <a:solidFill>
+                  <a:schemeClr val="accent6">
+                    <a:lumMod val="50000"/>
+                  </a:schemeClr>
+                </a:solidFill>
+                <a:latin typeface="Courier New" panose="02070309020205020404" pitchFamily="49" charset="0"/>
+                <a:cs typeface="Courier New" panose="02070309020205020404" pitchFamily="49" charset="0"/>
+              </a:rPr>
+              <a:t>::</a:t>
+            </a:r>
+            <a:r>
+              <a:rPr lang="en-US" b="1" dirty="0" err="1">
+                <a:solidFill>
+                  <a:schemeClr val="accent6">
+                    <a:lumMod val="50000"/>
+                  </a:schemeClr>
+                </a:solidFill>
+                <a:latin typeface="Courier New" panose="02070309020205020404" pitchFamily="49" charset="0"/>
+                <a:cs typeface="Courier New" panose="02070309020205020404" pitchFamily="49" charset="0"/>
+              </a:rPr>
+              <a:t>ggpairs</a:t>
+            </a:r>
+            <a:r>
+              <a:rPr lang="en-US" b="1" dirty="0">
+                <a:solidFill>
+                  <a:schemeClr val="accent6">
+                    <a:lumMod val="50000"/>
+                  </a:schemeClr>
+                </a:solidFill>
+                <a:latin typeface="Courier New" panose="02070309020205020404" pitchFamily="49" charset="0"/>
+                <a:cs typeface="Courier New" panose="02070309020205020404" pitchFamily="49" charset="0"/>
+              </a:rPr>
+              <a:t>()</a:t>
             </a:r>
           </a:p>
         </p:txBody>
@@ -20090,13 +20523,13 @@
   <p:clrMapOvr>
     <a:masterClrMapping/>
   </p:clrMapOvr>
-  <mc:AlternateContent xmlns:mc="http://schemas.openxmlformats.org/markup-compatibility/2006">
-    <mc:Choice xmlns:p14="http://schemas.microsoft.com/office/powerpoint/2010/main" Requires="p14">
+  <mc:AlternateContent xmlns:mc="http://schemas.openxmlformats.org/markup-compatibility/2006" xmlns:p14="http://schemas.microsoft.com/office/powerpoint/2010/main">
+    <mc:Choice Requires="p14">
       <p:transition spd="slow" p14:dur="2000">
         <p14:prism isContent="1"/>
       </p:transition>
     </mc:Choice>
-    <mc:Fallback>
+    <mc:Fallback xmlns="">
       <p:transition spd="slow">
         <p:fade/>
       </p:transition>
@@ -21029,7 +21462,19 @@
           <a:p>
             <a:r>
               <a:rPr lang="en-US" dirty="0"/>
-              <a:t>Coefficients give log odds relative of party choice relative to Conservatives</a:t>
+              <a:t>Coefficients give </a:t>
+            </a:r>
+            <a:r>
+              <a:rPr lang="en-US" dirty="0">
+                <a:solidFill>
+                  <a:srgbClr val="0070C0"/>
+                </a:solidFill>
+              </a:rPr>
+              <a:t>log odds </a:t>
+            </a:r>
+            <a:r>
+              <a:rPr lang="en-US" dirty="0"/>
+              <a:t>relative of party choice relative to Conservatives</a:t>
             </a:r>
           </a:p>
           <a:p>
@@ -21197,7 +21642,13 @@
           <a:prstGeom prst="rect">
             <a:avLst/>
           </a:prstGeom>
-          <a:noFill/>
+          <a:solidFill>
+            <a:schemeClr val="accent6">
+              <a:lumMod val="20000"/>
+              <a:lumOff val="80000"/>
+              <a:alpha val="60000"/>
+            </a:schemeClr>
+          </a:solidFill>
         </p:spPr>
         <p:txBody>
           <a:bodyPr wrap="square" rtlCol="0">
@@ -21571,23 +22022,69 @@
           <a:p>
             <a:pPr lvl="1"/>
             <a:r>
+              <a:rPr lang="en-US" sz="2000" i="1" dirty="0"/>
+              <a:t>m</a:t>
+            </a:r>
+            <a:r>
               <a:rPr lang="en-US" sz="2000" dirty="0"/>
-              <a:t>m response categories </a:t>
+              <a:t> response categories </a:t>
             </a:r>
             <a:r>
               <a:rPr lang="en-US" sz="2000" dirty="0">
                 <a:sym typeface="Symbol" panose="05050102010706020507" pitchFamily="18" charset="2"/>
               </a:rPr>
-              <a:t> (m-1) comparisons (logits)</a:t>
-            </a:r>
-          </a:p>
-          <a:p>
-            <a:pPr lvl="1"/>
+              <a:t> (</a:t>
+            </a:r>
+            <a:r>
+              <a:rPr lang="en-US" sz="2000" i="1" dirty="0">
+                <a:sym typeface="Symbol" panose="05050102010706020507" pitchFamily="18" charset="2"/>
+              </a:rPr>
+              <a:t>m</a:t>
+            </a:r>
             <a:r>
               <a:rPr lang="en-US" sz="2000" dirty="0">
                 <a:sym typeface="Symbol" panose="05050102010706020507" pitchFamily="18" charset="2"/>
               </a:rPr>
-              <a:t>Different models for ordered vs. unordered categories</a:t>
+              <a:t>-1) comparisons (logits)</a:t>
+            </a:r>
+          </a:p>
+          <a:p>
+            <a:pPr lvl="1"/>
+            <a:r>
+              <a:rPr lang="en-US" sz="2000" dirty="0">
+                <a:sym typeface="Symbol" panose="05050102010706020507" pitchFamily="18" charset="2"/>
+              </a:rPr>
+              <a:t>Different models for </a:t>
+            </a:r>
+            <a:r>
+              <a:rPr lang="en-US" sz="2000" dirty="0">
+                <a:solidFill>
+                  <a:srgbClr val="0070C0"/>
+                </a:solidFill>
+                <a:sym typeface="Symbol" panose="05050102010706020507" pitchFamily="18" charset="2"/>
+              </a:rPr>
+              <a:t>ordered</a:t>
+            </a:r>
+            <a:r>
+              <a:rPr lang="en-US" sz="2000" dirty="0">
+                <a:sym typeface="Symbol" panose="05050102010706020507" pitchFamily="18" charset="2"/>
+              </a:rPr>
+              <a:t> vs. </a:t>
+            </a:r>
+            <a:r>
+              <a:rPr lang="en-US" sz="2000" dirty="0">
+                <a:solidFill>
+                  <a:srgbClr val="0070C0"/>
+                </a:solidFill>
+                <a:sym typeface="Symbol" panose="05050102010706020507" pitchFamily="18" charset="2"/>
+              </a:rPr>
+              <a:t>unordered</a:t>
+            </a:r>
+            <a:r>
+              <a:rPr lang="en-US" sz="2000" dirty="0">
+                <a:sym typeface="Symbol" panose="05050102010706020507" pitchFamily="18" charset="2"/>
+              </a:rPr>
+              <a:t> categories</a:t>
             </a:r>
           </a:p>
           <a:p>
@@ -21681,7 +22178,19 @@
               <a:rPr lang="en-US" sz="2000" dirty="0">
                 <a:sym typeface="Symbol" panose="05050102010706020507" pitchFamily="18" charset="2"/>
               </a:rPr>
-              <a:t>Fit m – 1 separate independent models  Additive </a:t>
+              <a:t>Fit </a:t>
+            </a:r>
+            <a:r>
+              <a:rPr lang="en-US" sz="2000" i="1" dirty="0">
+                <a:sym typeface="Symbol" panose="05050102010706020507" pitchFamily="18" charset="2"/>
+              </a:rPr>
+              <a:t>m</a:t>
+            </a:r>
+            <a:r>
+              <a:rPr lang="en-US" sz="2000" dirty="0">
+                <a:sym typeface="Symbol" panose="05050102010706020507" pitchFamily="18" charset="2"/>
+              </a:rPr>
+              <a:t> – 1 separate independent models  Additive </a:t>
             </a:r>
             <a:r>
               <a:rPr lang="el-GR" sz="2000" dirty="0">
@@ -21710,7 +22219,19 @@
               <a:rPr lang="en-US" sz="2000" dirty="0">
                 <a:sym typeface="Symbol" panose="05050102010706020507" pitchFamily="18" charset="2"/>
               </a:rPr>
-              <a:t>Fit m – 1 logits as a single model</a:t>
+              <a:t>Fit </a:t>
+            </a:r>
+            <a:r>
+              <a:rPr lang="en-US" sz="2000" i="1" dirty="0">
+                <a:sym typeface="Symbol" panose="05050102010706020507" pitchFamily="18" charset="2"/>
+              </a:rPr>
+              <a:t>m</a:t>
+            </a:r>
+            <a:r>
+              <a:rPr lang="en-US" sz="2000" dirty="0">
+                <a:sym typeface="Symbol" panose="05050102010706020507" pitchFamily="18" charset="2"/>
+              </a:rPr>
+              <a:t> – 1 logits as a single model</a:t>
             </a:r>
           </a:p>
           <a:p>
@@ -21797,6 +22318,462 @@
   <p:clrMapOvr>
     <a:masterClrMapping/>
   </p:clrMapOvr>
+  <p:timing>
+    <p:tnLst>
+      <p:par>
+        <p:cTn id="1" dur="indefinite" restart="never" nodeType="tmRoot">
+          <p:childTnLst>
+            <p:seq concurrent="1" nextAc="seek">
+              <p:cTn id="2" dur="indefinite" nodeType="mainSeq">
+                <p:childTnLst>
+                  <p:par>
+                    <p:cTn id="3" fill="hold">
+                      <p:stCondLst>
+                        <p:cond delay="indefinite"/>
+                      </p:stCondLst>
+                      <p:childTnLst>
+                        <p:par>
+                          <p:cTn id="4" fill="hold">
+                            <p:stCondLst>
+                              <p:cond delay="0"/>
+                            </p:stCondLst>
+                            <p:childTnLst>
+                              <p:par>
+                                <p:cTn id="5" presetID="1" presetClass="entr" presetSubtype="0" fill="hold" nodeType="clickEffect">
+                                  <p:stCondLst>
+                                    <p:cond delay="0"/>
+                                  </p:stCondLst>
+                                  <p:childTnLst>
+                                    <p:set>
+                                      <p:cBhvr>
+                                        <p:cTn id="6" dur="1" fill="hold">
+                                          <p:stCondLst>
+                                            <p:cond delay="0"/>
+                                          </p:stCondLst>
+                                        </p:cTn>
+                                        <p:tgtEl>
+                                          <p:spTgt spid="4">
+                                            <p:txEl>
+                                              <p:pRg st="3" end="3"/>
+                                            </p:txEl>
+                                          </p:spTgt>
+                                        </p:tgtEl>
+                                        <p:attrNameLst>
+                                          <p:attrName>style.visibility</p:attrName>
+                                        </p:attrNameLst>
+                                      </p:cBhvr>
+                                      <p:to>
+                                        <p:strVal val="visible"/>
+                                      </p:to>
+                                    </p:set>
+                                  </p:childTnLst>
+                                </p:cTn>
+                              </p:par>
+                              <p:par>
+                                <p:cTn id="7" presetID="1" presetClass="entr" presetSubtype="0" fill="hold" nodeType="withEffect">
+                                  <p:stCondLst>
+                                    <p:cond delay="0"/>
+                                  </p:stCondLst>
+                                  <p:childTnLst>
+                                    <p:set>
+                                      <p:cBhvr>
+                                        <p:cTn id="8" dur="1" fill="hold">
+                                          <p:stCondLst>
+                                            <p:cond delay="0"/>
+                                          </p:stCondLst>
+                                        </p:cTn>
+                                        <p:tgtEl>
+                                          <p:spTgt spid="4">
+                                            <p:txEl>
+                                              <p:pRg st="4" end="4"/>
+                                            </p:txEl>
+                                          </p:spTgt>
+                                        </p:tgtEl>
+                                        <p:attrNameLst>
+                                          <p:attrName>style.visibility</p:attrName>
+                                        </p:attrNameLst>
+                                      </p:cBhvr>
+                                      <p:to>
+                                        <p:strVal val="visible"/>
+                                      </p:to>
+                                    </p:set>
+                                  </p:childTnLst>
+                                </p:cTn>
+                              </p:par>
+                              <p:par>
+                                <p:cTn id="9" presetID="1" presetClass="entr" presetSubtype="0" fill="hold" nodeType="withEffect">
+                                  <p:stCondLst>
+                                    <p:cond delay="0"/>
+                                  </p:stCondLst>
+                                  <p:childTnLst>
+                                    <p:set>
+                                      <p:cBhvr>
+                                        <p:cTn id="10" dur="1" fill="hold">
+                                          <p:stCondLst>
+                                            <p:cond delay="0"/>
+                                          </p:stCondLst>
+                                        </p:cTn>
+                                        <p:tgtEl>
+                                          <p:spTgt spid="4">
+                                            <p:txEl>
+                                              <p:pRg st="5" end="5"/>
+                                            </p:txEl>
+                                          </p:spTgt>
+                                        </p:tgtEl>
+                                        <p:attrNameLst>
+                                          <p:attrName>style.visibility</p:attrName>
+                                        </p:attrNameLst>
+                                      </p:cBhvr>
+                                      <p:to>
+                                        <p:strVal val="visible"/>
+                                      </p:to>
+                                    </p:set>
+                                  </p:childTnLst>
+                                </p:cTn>
+                              </p:par>
+                              <p:par>
+                                <p:cTn id="11" presetID="1" presetClass="entr" presetSubtype="0" fill="hold" nodeType="withEffect">
+                                  <p:stCondLst>
+                                    <p:cond delay="0"/>
+                                  </p:stCondLst>
+                                  <p:childTnLst>
+                                    <p:set>
+                                      <p:cBhvr>
+                                        <p:cTn id="12" dur="1" fill="hold">
+                                          <p:stCondLst>
+                                            <p:cond delay="0"/>
+                                          </p:stCondLst>
+                                        </p:cTn>
+                                        <p:tgtEl>
+                                          <p:spTgt spid="4">
+                                            <p:txEl>
+                                              <p:pRg st="6" end="6"/>
+                                            </p:txEl>
+                                          </p:spTgt>
+                                        </p:tgtEl>
+                                        <p:attrNameLst>
+                                          <p:attrName>style.visibility</p:attrName>
+                                        </p:attrNameLst>
+                                      </p:cBhvr>
+                                      <p:to>
+                                        <p:strVal val="visible"/>
+                                      </p:to>
+                                    </p:set>
+                                  </p:childTnLst>
+                                </p:cTn>
+                              </p:par>
+                              <p:par>
+                                <p:cTn id="13" presetID="1" presetClass="entr" presetSubtype="0" fill="hold" nodeType="withEffect">
+                                  <p:stCondLst>
+                                    <p:cond delay="0"/>
+                                  </p:stCondLst>
+                                  <p:childTnLst>
+                                    <p:set>
+                                      <p:cBhvr>
+                                        <p:cTn id="14" dur="1" fill="hold">
+                                          <p:stCondLst>
+                                            <p:cond delay="0"/>
+                                          </p:stCondLst>
+                                        </p:cTn>
+                                        <p:tgtEl>
+                                          <p:spTgt spid="4">
+                                            <p:txEl>
+                                              <p:pRg st="7" end="7"/>
+                                            </p:txEl>
+                                          </p:spTgt>
+                                        </p:tgtEl>
+                                        <p:attrNameLst>
+                                          <p:attrName>style.visibility</p:attrName>
+                                        </p:attrNameLst>
+                                      </p:cBhvr>
+                                      <p:to>
+                                        <p:strVal val="visible"/>
+                                      </p:to>
+                                    </p:set>
+                                  </p:childTnLst>
+                                </p:cTn>
+                              </p:par>
+                            </p:childTnLst>
+                          </p:cTn>
+                        </p:par>
+                      </p:childTnLst>
+                    </p:cTn>
+                  </p:par>
+                  <p:par>
+                    <p:cTn id="15" fill="hold">
+                      <p:stCondLst>
+                        <p:cond delay="indefinite"/>
+                      </p:stCondLst>
+                      <p:childTnLst>
+                        <p:par>
+                          <p:cTn id="16" fill="hold">
+                            <p:stCondLst>
+                              <p:cond delay="0"/>
+                            </p:stCondLst>
+                            <p:childTnLst>
+                              <p:par>
+                                <p:cTn id="17" presetID="1" presetClass="entr" presetSubtype="0" fill="hold" nodeType="clickEffect">
+                                  <p:stCondLst>
+                                    <p:cond delay="0"/>
+                                  </p:stCondLst>
+                                  <p:childTnLst>
+                                    <p:set>
+                                      <p:cBhvr>
+                                        <p:cTn id="18" dur="1" fill="hold">
+                                          <p:stCondLst>
+                                            <p:cond delay="0"/>
+                                          </p:stCondLst>
+                                        </p:cTn>
+                                        <p:tgtEl>
+                                          <p:spTgt spid="4">
+                                            <p:txEl>
+                                              <p:pRg st="8" end="8"/>
+                                            </p:txEl>
+                                          </p:spTgt>
+                                        </p:tgtEl>
+                                        <p:attrNameLst>
+                                          <p:attrName>style.visibility</p:attrName>
+                                        </p:attrNameLst>
+                                      </p:cBhvr>
+                                      <p:to>
+                                        <p:strVal val="visible"/>
+                                      </p:to>
+                                    </p:set>
+                                  </p:childTnLst>
+                                </p:cTn>
+                              </p:par>
+                              <p:par>
+                                <p:cTn id="19" presetID="1" presetClass="entr" presetSubtype="0" fill="hold" nodeType="withEffect">
+                                  <p:stCondLst>
+                                    <p:cond delay="0"/>
+                                  </p:stCondLst>
+                                  <p:childTnLst>
+                                    <p:set>
+                                      <p:cBhvr>
+                                        <p:cTn id="20" dur="1" fill="hold">
+                                          <p:stCondLst>
+                                            <p:cond delay="0"/>
+                                          </p:stCondLst>
+                                        </p:cTn>
+                                        <p:tgtEl>
+                                          <p:spTgt spid="4">
+                                            <p:txEl>
+                                              <p:pRg st="9" end="9"/>
+                                            </p:txEl>
+                                          </p:spTgt>
+                                        </p:tgtEl>
+                                        <p:attrNameLst>
+                                          <p:attrName>style.visibility</p:attrName>
+                                        </p:attrNameLst>
+                                      </p:cBhvr>
+                                      <p:to>
+                                        <p:strVal val="visible"/>
+                                      </p:to>
+                                    </p:set>
+                                  </p:childTnLst>
+                                </p:cTn>
+                              </p:par>
+                              <p:par>
+                                <p:cTn id="21" presetID="1" presetClass="entr" presetSubtype="0" fill="hold" nodeType="withEffect">
+                                  <p:stCondLst>
+                                    <p:cond delay="0"/>
+                                  </p:stCondLst>
+                                  <p:childTnLst>
+                                    <p:set>
+                                      <p:cBhvr>
+                                        <p:cTn id="22" dur="1" fill="hold">
+                                          <p:stCondLst>
+                                            <p:cond delay="0"/>
+                                          </p:stCondLst>
+                                        </p:cTn>
+                                        <p:tgtEl>
+                                          <p:spTgt spid="4">
+                                            <p:txEl>
+                                              <p:pRg st="10" end="10"/>
+                                            </p:txEl>
+                                          </p:spTgt>
+                                        </p:tgtEl>
+                                        <p:attrNameLst>
+                                          <p:attrName>style.visibility</p:attrName>
+                                        </p:attrNameLst>
+                                      </p:cBhvr>
+                                      <p:to>
+                                        <p:strVal val="visible"/>
+                                      </p:to>
+                                    </p:set>
+                                  </p:childTnLst>
+                                </p:cTn>
+                              </p:par>
+                            </p:childTnLst>
+                          </p:cTn>
+                        </p:par>
+                      </p:childTnLst>
+                    </p:cTn>
+                  </p:par>
+                  <p:par>
+                    <p:cTn id="23" fill="hold">
+                      <p:stCondLst>
+                        <p:cond delay="indefinite"/>
+                      </p:stCondLst>
+                      <p:childTnLst>
+                        <p:par>
+                          <p:cTn id="24" fill="hold">
+                            <p:stCondLst>
+                              <p:cond delay="0"/>
+                            </p:stCondLst>
+                            <p:childTnLst>
+                              <p:par>
+                                <p:cTn id="25" presetID="1" presetClass="entr" presetSubtype="0" fill="hold" nodeType="clickEffect">
+                                  <p:stCondLst>
+                                    <p:cond delay="0"/>
+                                  </p:stCondLst>
+                                  <p:childTnLst>
+                                    <p:set>
+                                      <p:cBhvr>
+                                        <p:cTn id="26" dur="1" fill="hold">
+                                          <p:stCondLst>
+                                            <p:cond delay="0"/>
+                                          </p:stCondLst>
+                                        </p:cTn>
+                                        <p:tgtEl>
+                                          <p:spTgt spid="4">
+                                            <p:txEl>
+                                              <p:pRg st="11" end="11"/>
+                                            </p:txEl>
+                                          </p:spTgt>
+                                        </p:tgtEl>
+                                        <p:attrNameLst>
+                                          <p:attrName>style.visibility</p:attrName>
+                                        </p:attrNameLst>
+                                      </p:cBhvr>
+                                      <p:to>
+                                        <p:strVal val="visible"/>
+                                      </p:to>
+                                    </p:set>
+                                  </p:childTnLst>
+                                </p:cTn>
+                              </p:par>
+                              <p:par>
+                                <p:cTn id="27" presetID="1" presetClass="entr" presetSubtype="0" fill="hold" nodeType="withEffect">
+                                  <p:stCondLst>
+                                    <p:cond delay="0"/>
+                                  </p:stCondLst>
+                                  <p:childTnLst>
+                                    <p:set>
+                                      <p:cBhvr>
+                                        <p:cTn id="28" dur="1" fill="hold">
+                                          <p:stCondLst>
+                                            <p:cond delay="0"/>
+                                          </p:stCondLst>
+                                        </p:cTn>
+                                        <p:tgtEl>
+                                          <p:spTgt spid="4">
+                                            <p:txEl>
+                                              <p:pRg st="12" end="12"/>
+                                            </p:txEl>
+                                          </p:spTgt>
+                                        </p:tgtEl>
+                                        <p:attrNameLst>
+                                          <p:attrName>style.visibility</p:attrName>
+                                        </p:attrNameLst>
+                                      </p:cBhvr>
+                                      <p:to>
+                                        <p:strVal val="visible"/>
+                                      </p:to>
+                                    </p:set>
+                                  </p:childTnLst>
+                                </p:cTn>
+                              </p:par>
+                              <p:par>
+                                <p:cTn id="29" presetID="1" presetClass="entr" presetSubtype="0" fill="hold" nodeType="withEffect">
+                                  <p:stCondLst>
+                                    <p:cond delay="0"/>
+                                  </p:stCondLst>
+                                  <p:childTnLst>
+                                    <p:set>
+                                      <p:cBhvr>
+                                        <p:cTn id="30" dur="1" fill="hold">
+                                          <p:stCondLst>
+                                            <p:cond delay="0"/>
+                                          </p:stCondLst>
+                                        </p:cTn>
+                                        <p:tgtEl>
+                                          <p:spTgt spid="4">
+                                            <p:txEl>
+                                              <p:pRg st="13" end="13"/>
+                                            </p:txEl>
+                                          </p:spTgt>
+                                        </p:tgtEl>
+                                        <p:attrNameLst>
+                                          <p:attrName>style.visibility</p:attrName>
+                                        </p:attrNameLst>
+                                      </p:cBhvr>
+                                      <p:to>
+                                        <p:strVal val="visible"/>
+                                      </p:to>
+                                    </p:set>
+                                  </p:childTnLst>
+                                </p:cTn>
+                              </p:par>
+                              <p:par>
+                                <p:cTn id="31" presetID="1" presetClass="entr" presetSubtype="0" fill="hold" nodeType="withEffect">
+                                  <p:stCondLst>
+                                    <p:cond delay="0"/>
+                                  </p:stCondLst>
+                                  <p:childTnLst>
+                                    <p:set>
+                                      <p:cBhvr>
+                                        <p:cTn id="32" dur="1" fill="hold">
+                                          <p:stCondLst>
+                                            <p:cond delay="0"/>
+                                          </p:stCondLst>
+                                        </p:cTn>
+                                        <p:tgtEl>
+                                          <p:spTgt spid="4">
+                                            <p:txEl>
+                                              <p:pRg st="14" end="14"/>
+                                            </p:txEl>
+                                          </p:spTgt>
+                                        </p:tgtEl>
+                                        <p:attrNameLst>
+                                          <p:attrName>style.visibility</p:attrName>
+                                        </p:attrNameLst>
+                                      </p:cBhvr>
+                                      <p:to>
+                                        <p:strVal val="visible"/>
+                                      </p:to>
+                                    </p:set>
+                                  </p:childTnLst>
+                                </p:cTn>
+                              </p:par>
+                            </p:childTnLst>
+                          </p:cTn>
+                        </p:par>
+                      </p:childTnLst>
+                    </p:cTn>
+                  </p:par>
+                </p:childTnLst>
+              </p:cTn>
+              <p:prevCondLst>
+                <p:cond evt="onPrev" delay="0">
+                  <p:tgtEl>
+                    <p:sldTgt/>
+                  </p:tgtEl>
+                </p:cond>
+              </p:prevCondLst>
+              <p:nextCondLst>
+                <p:cond evt="onNext" delay="0">
+                  <p:tgtEl>
+                    <p:sldTgt/>
+                  </p:tgtEl>
+                </p:cond>
+              </p:nextCondLst>
+            </p:seq>
+          </p:childTnLst>
+        </p:cTn>
+      </p:par>
+    </p:tnLst>
+  </p:timing>
 </p:sld>
 </file>
 

--- a/docs/lectures/07-Logistic2.pptx
+++ b/docs/lectures/07-Logistic2.pptx
@@ -355,7 +355,7 @@
           <a:p>
             <a:fld id="{08BD4FA9-F3CE-45B3-A980-C331C6F1EF65}" type="datetimeFigureOut">
               <a:rPr lang="en-US" smtClean="0"/>
-              <a:t>12/15/2022</a:t>
+              <a:t>2/13/2023</a:t>
             </a:fld>
             <a:endParaRPr lang="en-US"/>
           </a:p>
@@ -628,7 +628,7 @@
           <a:p>
             <a:fld id="{EAAD3657-2200-4D14-82C0-10C39B0F0F06}" type="datetime1">
               <a:rPr lang="en-US" smtClean="0"/>
-              <a:t>12/15/2022</a:t>
+              <a:t>2/13/2023</a:t>
             </a:fld>
             <a:endParaRPr lang="en-US"/>
           </a:p>
@@ -796,7 +796,7 @@
           <a:p>
             <a:fld id="{11BBAF55-A85E-4993-914E-FC1E5AA7DF24}" type="datetime1">
               <a:rPr lang="en-US" smtClean="0"/>
-              <a:t>12/15/2022</a:t>
+              <a:t>2/13/2023</a:t>
             </a:fld>
             <a:endParaRPr lang="en-US"/>
           </a:p>
@@ -974,7 +974,7 @@
           <a:p>
             <a:fld id="{39816E07-E1DB-44A4-A5E5-9F4B54E8C933}" type="datetime1">
               <a:rPr lang="en-US" smtClean="0"/>
-              <a:t>12/15/2022</a:t>
+              <a:t>2/13/2023</a:t>
             </a:fld>
             <a:endParaRPr lang="en-US"/>
           </a:p>
@@ -1159,7 +1159,7 @@
           <a:p>
             <a:fld id="{C2B1AD17-B813-4477-8AFE-B1860CC59113}" type="datetime1">
               <a:rPr lang="en-US" smtClean="0"/>
-              <a:t>12/15/2022</a:t>
+              <a:t>2/13/2023</a:t>
             </a:fld>
             <a:endParaRPr lang="en-US"/>
           </a:p>
@@ -1404,7 +1404,7 @@
           <a:p>
             <a:fld id="{D0975C0D-5C9E-48CC-8D31-F42D19FA8F7A}" type="datetime1">
               <a:rPr lang="en-US" smtClean="0"/>
-              <a:t>12/15/2022</a:t>
+              <a:t>2/13/2023</a:t>
             </a:fld>
             <a:endParaRPr lang="en-US"/>
           </a:p>
@@ -1689,7 +1689,7 @@
           <a:p>
             <a:fld id="{28657551-0F2B-4F09-86FD-F7994CE83DC5}" type="datetime1">
               <a:rPr lang="en-US" smtClean="0"/>
-              <a:t>12/15/2022</a:t>
+              <a:t>2/13/2023</a:t>
             </a:fld>
             <a:endParaRPr lang="en-US"/>
           </a:p>
@@ -2108,7 +2108,7 @@
           <a:p>
             <a:fld id="{3929D2B2-4200-46B9-96C3-02A55D5FAA00}" type="datetime1">
               <a:rPr lang="en-US" smtClean="0"/>
-              <a:t>12/15/2022</a:t>
+              <a:t>2/13/2023</a:t>
             </a:fld>
             <a:endParaRPr lang="en-US"/>
           </a:p>
@@ -2225,7 +2225,7 @@
           <a:p>
             <a:fld id="{41FF7722-74E8-497F-A072-89677A2C2373}" type="datetime1">
               <a:rPr lang="en-US" smtClean="0"/>
-              <a:t>12/15/2022</a:t>
+              <a:t>2/13/2023</a:t>
             </a:fld>
             <a:endParaRPr lang="en-US"/>
           </a:p>
@@ -2320,7 +2320,7 @@
           <a:p>
             <a:fld id="{BD26212E-B46B-426F-AE59-AA326827D9E0}" type="datetime1">
               <a:rPr lang="en-US" smtClean="0"/>
-              <a:t>12/15/2022</a:t>
+              <a:t>2/13/2023</a:t>
             </a:fld>
             <a:endParaRPr lang="en-US"/>
           </a:p>
@@ -2595,7 +2595,7 @@
           <a:p>
             <a:fld id="{FB9B81E8-09EA-4684-A39F-38DE1E49D20C}" type="datetime1">
               <a:rPr lang="en-US" smtClean="0"/>
-              <a:t>12/15/2022</a:t>
+              <a:t>2/13/2023</a:t>
             </a:fld>
             <a:endParaRPr lang="en-US"/>
           </a:p>
@@ -2847,7 +2847,7 @@
           <a:p>
             <a:fld id="{35C5CC5F-056C-4047-9A5C-9F5B4BED129B}" type="datetime1">
               <a:rPr lang="en-US" smtClean="0"/>
-              <a:t>12/15/2022</a:t>
+              <a:t>2/13/2023</a:t>
             </a:fld>
             <a:endParaRPr lang="en-US"/>
           </a:p>
@@ -3061,7 +3061,7 @@
           <a:p>
             <a:fld id="{E8171053-07BD-4A17-AC24-0A22EAA36098}" type="datetime1">
               <a:rPr lang="en-US" smtClean="0"/>
-              <a:t>12/15/2022</a:t>
+              <a:t>2/13/2023</a:t>
             </a:fld>
             <a:endParaRPr lang="en-US"/>
           </a:p>
@@ -12843,7 +12843,7 @@
         </p:blipFill>
         <p:spPr>
           <a:xfrm>
-            <a:off x="838200" y="2974486"/>
+            <a:off x="914400" y="3249124"/>
             <a:ext cx="5333999" cy="3608876"/>
           </a:xfrm>
           <a:prstGeom prst="rect">

--- a/docs/lectures/07-Logistic2.pptx
+++ b/docs/lectures/07-Logistic2.pptx
@@ -355,7 +355,7 @@
           <a:p>
             <a:fld id="{08BD4FA9-F3CE-45B3-A980-C331C6F1EF65}" type="datetimeFigureOut">
               <a:rPr lang="en-US" smtClean="0"/>
-              <a:t>2/13/2023</a:t>
+              <a:t>2/14/2023</a:t>
             </a:fld>
             <a:endParaRPr lang="en-US"/>
           </a:p>
@@ -628,7 +628,7 @@
           <a:p>
             <a:fld id="{EAAD3657-2200-4D14-82C0-10C39B0F0F06}" type="datetime1">
               <a:rPr lang="en-US" smtClean="0"/>
-              <a:t>2/13/2023</a:t>
+              <a:t>2/14/2023</a:t>
             </a:fld>
             <a:endParaRPr lang="en-US"/>
           </a:p>
@@ -796,7 +796,7 @@
           <a:p>
             <a:fld id="{11BBAF55-A85E-4993-914E-FC1E5AA7DF24}" type="datetime1">
               <a:rPr lang="en-US" smtClean="0"/>
-              <a:t>2/13/2023</a:t>
+              <a:t>2/14/2023</a:t>
             </a:fld>
             <a:endParaRPr lang="en-US"/>
           </a:p>
@@ -974,7 +974,7 @@
           <a:p>
             <a:fld id="{39816E07-E1DB-44A4-A5E5-9F4B54E8C933}" type="datetime1">
               <a:rPr lang="en-US" smtClean="0"/>
-              <a:t>2/13/2023</a:t>
+              <a:t>2/14/2023</a:t>
             </a:fld>
             <a:endParaRPr lang="en-US"/>
           </a:p>
@@ -1159,7 +1159,7 @@
           <a:p>
             <a:fld id="{C2B1AD17-B813-4477-8AFE-B1860CC59113}" type="datetime1">
               <a:rPr lang="en-US" smtClean="0"/>
-              <a:t>2/13/2023</a:t>
+              <a:t>2/14/2023</a:t>
             </a:fld>
             <a:endParaRPr lang="en-US"/>
           </a:p>
@@ -1404,7 +1404,7 @@
           <a:p>
             <a:fld id="{D0975C0D-5C9E-48CC-8D31-F42D19FA8F7A}" type="datetime1">
               <a:rPr lang="en-US" smtClean="0"/>
-              <a:t>2/13/2023</a:t>
+              <a:t>2/14/2023</a:t>
             </a:fld>
             <a:endParaRPr lang="en-US"/>
           </a:p>
@@ -1689,7 +1689,7 @@
           <a:p>
             <a:fld id="{28657551-0F2B-4F09-86FD-F7994CE83DC5}" type="datetime1">
               <a:rPr lang="en-US" smtClean="0"/>
-              <a:t>2/13/2023</a:t>
+              <a:t>2/14/2023</a:t>
             </a:fld>
             <a:endParaRPr lang="en-US"/>
           </a:p>
@@ -2108,7 +2108,7 @@
           <a:p>
             <a:fld id="{3929D2B2-4200-46B9-96C3-02A55D5FAA00}" type="datetime1">
               <a:rPr lang="en-US" smtClean="0"/>
-              <a:t>2/13/2023</a:t>
+              <a:t>2/14/2023</a:t>
             </a:fld>
             <a:endParaRPr lang="en-US"/>
           </a:p>
@@ -2225,7 +2225,7 @@
           <a:p>
             <a:fld id="{41FF7722-74E8-497F-A072-89677A2C2373}" type="datetime1">
               <a:rPr lang="en-US" smtClean="0"/>
-              <a:t>2/13/2023</a:t>
+              <a:t>2/14/2023</a:t>
             </a:fld>
             <a:endParaRPr lang="en-US"/>
           </a:p>
@@ -2320,7 +2320,7 @@
           <a:p>
             <a:fld id="{BD26212E-B46B-426F-AE59-AA326827D9E0}" type="datetime1">
               <a:rPr lang="en-US" smtClean="0"/>
-              <a:t>2/13/2023</a:t>
+              <a:t>2/14/2023</a:t>
             </a:fld>
             <a:endParaRPr lang="en-US"/>
           </a:p>
@@ -2595,7 +2595,7 @@
           <a:p>
             <a:fld id="{FB9B81E8-09EA-4684-A39F-38DE1E49D20C}" type="datetime1">
               <a:rPr lang="en-US" smtClean="0"/>
-              <a:t>2/13/2023</a:t>
+              <a:t>2/14/2023</a:t>
             </a:fld>
             <a:endParaRPr lang="en-US"/>
           </a:p>
@@ -2847,7 +2847,7 @@
           <a:p>
             <a:fld id="{35C5CC5F-056C-4047-9A5C-9F5B4BED129B}" type="datetime1">
               <a:rPr lang="en-US" smtClean="0"/>
-              <a:t>2/13/2023</a:t>
+              <a:t>2/14/2023</a:t>
             </a:fld>
             <a:endParaRPr lang="en-US"/>
           </a:p>
@@ -3061,7 +3061,7 @@
           <a:p>
             <a:fld id="{E8171053-07BD-4A17-AC24-0A22EAA36098}" type="datetime1">
               <a:rPr lang="en-US" smtClean="0"/>
-              <a:t>2/13/2023</a:t>
+              <a:t>2/14/2023</a:t>
             </a:fld>
             <a:endParaRPr lang="en-US"/>
           </a:p>
@@ -23985,7 +23985,7 @@
         <p:spPr>
           <a:xfrm>
             <a:off x="533400" y="1981200"/>
-            <a:ext cx="2743200" cy="646331"/>
+            <a:ext cx="2743200" cy="1754326"/>
           </a:xfrm>
           <a:prstGeom prst="rect">
             <a:avLst/>
@@ -24001,6 +24001,15 @@
             <a:r>
               <a:rPr lang="en-US" dirty="0"/>
               <a:t>Fit separate quadratics for M &amp; F</a:t>
+            </a:r>
+          </a:p>
+          <a:p>
+            <a:endParaRPr lang="en-US" dirty="0"/>
+          </a:p>
+          <a:p>
+            <a:r>
+              <a:rPr lang="en-US" dirty="0"/>
+              <a:t>This highlights the very high survival among young women</a:t>
             </a:r>
           </a:p>
         </p:txBody>

--- a/docs/lectures/07-Logistic2.pptx
+++ b/docs/lectures/07-Logistic2.pptx
@@ -4,8 +4,11 @@
   <p:sldMasterIdLst>
     <p:sldMasterId id="2147483660" r:id="rId1"/>
   </p:sldMasterIdLst>
+  <p:notesMasterIdLst>
+    <p:notesMasterId r:id="rId57"/>
+  </p:notesMasterIdLst>
   <p:handoutMasterIdLst>
-    <p:handoutMasterId r:id="rId57"/>
+    <p:handoutMasterId r:id="rId58"/>
   </p:handoutMasterIdLst>
   <p:sldIdLst>
     <p:sldId id="256" r:id="rId2"/>
@@ -23,7 +26,7 @@
     <p:sldId id="268" r:id="rId14"/>
     <p:sldId id="269" r:id="rId15"/>
     <p:sldId id="270" r:id="rId16"/>
-    <p:sldId id="271" r:id="rId17"/>
+    <p:sldId id="311" r:id="rId17"/>
     <p:sldId id="274" r:id="rId18"/>
     <p:sldId id="272" r:id="rId19"/>
     <p:sldId id="273" r:id="rId20"/>
@@ -185,7 +188,7 @@
         </p14:section>
         <p14:section name="Polytomous responses" id="{A5C92633-AE48-4FD0-8BB6-F3A2279F7AF7}">
           <p14:sldIdLst>
-            <p14:sldId id="271"/>
+            <p14:sldId id="311"/>
             <p14:sldId id="274"/>
             <p14:sldId id="272"/>
             <p14:sldId id="273"/>
@@ -355,7 +358,7 @@
           <a:p>
             <a:fld id="{08BD4FA9-F3CE-45B3-A980-C331C6F1EF65}" type="datetimeFigureOut">
               <a:rPr lang="en-US" smtClean="0"/>
-              <a:t>2/14/2023</a:t>
+              <a:t>2/28/2023</a:t>
             </a:fld>
             <a:endParaRPr lang="en-US"/>
           </a:p>
@@ -436,6 +439,647 @@
   </p:cSld>
   <p:clrMap bg1="lt1" tx1="dk1" bg2="lt2" tx2="dk2" accent1="accent1" accent2="accent2" accent3="accent3" accent4="accent4" accent5="accent5" accent6="accent6" hlink="hlink" folHlink="folHlink"/>
 </p:handoutMaster>
+</file>
+
+<file path=ppt/notesMasters/notesMaster1.xml><?xml version="1.0" encoding="utf-8"?>
+<p:notesMaster xmlns:a="http://schemas.openxmlformats.org/drawingml/2006/main" xmlns:r="http://schemas.openxmlformats.org/officeDocument/2006/relationships" xmlns:p="http://schemas.openxmlformats.org/presentationml/2006/main">
+  <p:cSld>
+    <p:bg>
+      <p:bgRef idx="1001">
+        <a:schemeClr val="bg1"/>
+      </p:bgRef>
+    </p:bg>
+    <p:spTree>
+      <p:nvGrpSpPr>
+        <p:cNvPr id="1" name=""/>
+        <p:cNvGrpSpPr/>
+        <p:nvPr/>
+      </p:nvGrpSpPr>
+      <p:grpSpPr>
+        <a:xfrm>
+          <a:off x="0" y="0"/>
+          <a:ext cx="0" cy="0"/>
+          <a:chOff x="0" y="0"/>
+          <a:chExt cx="0" cy="0"/>
+        </a:xfrm>
+      </p:grpSpPr>
+      <p:sp>
+        <p:nvSpPr>
+          <p:cNvPr id="2" name="Header Placeholder 1"/>
+          <p:cNvSpPr>
+            <a:spLocks noGrp="1"/>
+          </p:cNvSpPr>
+          <p:nvPr>
+            <p:ph type="hdr" sz="quarter"/>
+          </p:nvPr>
+        </p:nvSpPr>
+        <p:spPr>
+          <a:xfrm>
+            <a:off x="0" y="0"/>
+            <a:ext cx="2971800" cy="458788"/>
+          </a:xfrm>
+          <a:prstGeom prst="rect">
+            <a:avLst/>
+          </a:prstGeom>
+        </p:spPr>
+        <p:txBody>
+          <a:bodyPr vert="horz" lIns="91440" tIns="45720" rIns="91440" bIns="45720" rtlCol="0"/>
+          <a:lstStyle>
+            <a:lvl1pPr algn="l">
+              <a:defRPr sz="1200"/>
+            </a:lvl1pPr>
+          </a:lstStyle>
+          <a:p>
+            <a:endParaRPr lang="en-CA"/>
+          </a:p>
+        </p:txBody>
+      </p:sp>
+      <p:sp>
+        <p:nvSpPr>
+          <p:cNvPr id="3" name="Date Placeholder 2"/>
+          <p:cNvSpPr>
+            <a:spLocks noGrp="1"/>
+          </p:cNvSpPr>
+          <p:nvPr>
+            <p:ph type="dt" idx="1"/>
+          </p:nvPr>
+        </p:nvSpPr>
+        <p:spPr>
+          <a:xfrm>
+            <a:off x="3884613" y="0"/>
+            <a:ext cx="2971800" cy="458788"/>
+          </a:xfrm>
+          <a:prstGeom prst="rect">
+            <a:avLst/>
+          </a:prstGeom>
+        </p:spPr>
+        <p:txBody>
+          <a:bodyPr vert="horz" lIns="91440" tIns="45720" rIns="91440" bIns="45720" rtlCol="0"/>
+          <a:lstStyle>
+            <a:lvl1pPr algn="r">
+              <a:defRPr sz="1200"/>
+            </a:lvl1pPr>
+          </a:lstStyle>
+          <a:p>
+            <a:fld id="{E2430F5D-10B8-4238-BD6F-EA68B288CB94}" type="datetimeFigureOut">
+              <a:rPr lang="en-CA" smtClean="0"/>
+              <a:t>2023-02-28</a:t>
+            </a:fld>
+            <a:endParaRPr lang="en-CA"/>
+          </a:p>
+        </p:txBody>
+      </p:sp>
+      <p:sp>
+        <p:nvSpPr>
+          <p:cNvPr id="4" name="Slide Image Placeholder 3"/>
+          <p:cNvSpPr>
+            <a:spLocks noGrp="1" noRot="1" noChangeAspect="1"/>
+          </p:cNvSpPr>
+          <p:nvPr>
+            <p:ph type="sldImg" idx="2"/>
+          </p:nvPr>
+        </p:nvSpPr>
+        <p:spPr>
+          <a:xfrm>
+            <a:off x="1371600" y="1143000"/>
+            <a:ext cx="4114800" cy="3086100"/>
+          </a:xfrm>
+          <a:prstGeom prst="rect">
+            <a:avLst/>
+          </a:prstGeom>
+          <a:noFill/>
+          <a:ln w="12700">
+            <a:solidFill>
+              <a:prstClr val="black"/>
+            </a:solidFill>
+          </a:ln>
+        </p:spPr>
+        <p:txBody>
+          <a:bodyPr vert="horz" lIns="91440" tIns="45720" rIns="91440" bIns="45720" rtlCol="0" anchor="ctr"/>
+          <a:lstStyle/>
+          <a:p>
+            <a:endParaRPr lang="en-CA"/>
+          </a:p>
+        </p:txBody>
+      </p:sp>
+      <p:sp>
+        <p:nvSpPr>
+          <p:cNvPr id="5" name="Notes Placeholder 4"/>
+          <p:cNvSpPr>
+            <a:spLocks noGrp="1"/>
+          </p:cNvSpPr>
+          <p:nvPr>
+            <p:ph type="body" sz="quarter" idx="3"/>
+          </p:nvPr>
+        </p:nvSpPr>
+        <p:spPr>
+          <a:xfrm>
+            <a:off x="685800" y="4400550"/>
+            <a:ext cx="5486400" cy="3600450"/>
+          </a:xfrm>
+          <a:prstGeom prst="rect">
+            <a:avLst/>
+          </a:prstGeom>
+        </p:spPr>
+        <p:txBody>
+          <a:bodyPr vert="horz" lIns="91440" tIns="45720" rIns="91440" bIns="45720" rtlCol="0"/>
+          <a:lstStyle/>
+          <a:p>
+            <a:pPr lvl="0"/>
+            <a:r>
+              <a:rPr lang="en-US"/>
+              <a:t>Click to edit Master text styles</a:t>
+            </a:r>
+          </a:p>
+          <a:p>
+            <a:pPr lvl="1"/>
+            <a:r>
+              <a:rPr lang="en-US"/>
+              <a:t>Second level</a:t>
+            </a:r>
+          </a:p>
+          <a:p>
+            <a:pPr lvl="2"/>
+            <a:r>
+              <a:rPr lang="en-US"/>
+              <a:t>Third level</a:t>
+            </a:r>
+          </a:p>
+          <a:p>
+            <a:pPr lvl="3"/>
+            <a:r>
+              <a:rPr lang="en-US"/>
+              <a:t>Fourth level</a:t>
+            </a:r>
+          </a:p>
+          <a:p>
+            <a:pPr lvl="4"/>
+            <a:r>
+              <a:rPr lang="en-US"/>
+              <a:t>Fifth level</a:t>
+            </a:r>
+            <a:endParaRPr lang="en-CA"/>
+          </a:p>
+        </p:txBody>
+      </p:sp>
+      <p:sp>
+        <p:nvSpPr>
+          <p:cNvPr id="6" name="Footer Placeholder 5"/>
+          <p:cNvSpPr>
+            <a:spLocks noGrp="1"/>
+          </p:cNvSpPr>
+          <p:nvPr>
+            <p:ph type="ftr" sz="quarter" idx="4"/>
+          </p:nvPr>
+        </p:nvSpPr>
+        <p:spPr>
+          <a:xfrm>
+            <a:off x="0" y="8685213"/>
+            <a:ext cx="2971800" cy="458787"/>
+          </a:xfrm>
+          <a:prstGeom prst="rect">
+            <a:avLst/>
+          </a:prstGeom>
+        </p:spPr>
+        <p:txBody>
+          <a:bodyPr vert="horz" lIns="91440" tIns="45720" rIns="91440" bIns="45720" rtlCol="0" anchor="b"/>
+          <a:lstStyle>
+            <a:lvl1pPr algn="l">
+              <a:defRPr sz="1200"/>
+            </a:lvl1pPr>
+          </a:lstStyle>
+          <a:p>
+            <a:endParaRPr lang="en-CA"/>
+          </a:p>
+        </p:txBody>
+      </p:sp>
+      <p:sp>
+        <p:nvSpPr>
+          <p:cNvPr id="7" name="Slide Number Placeholder 6"/>
+          <p:cNvSpPr>
+            <a:spLocks noGrp="1"/>
+          </p:cNvSpPr>
+          <p:nvPr>
+            <p:ph type="sldNum" sz="quarter" idx="5"/>
+          </p:nvPr>
+        </p:nvSpPr>
+        <p:spPr>
+          <a:xfrm>
+            <a:off x="3884613" y="8685213"/>
+            <a:ext cx="2971800" cy="458787"/>
+          </a:xfrm>
+          <a:prstGeom prst="rect">
+            <a:avLst/>
+          </a:prstGeom>
+        </p:spPr>
+        <p:txBody>
+          <a:bodyPr vert="horz" lIns="91440" tIns="45720" rIns="91440" bIns="45720" rtlCol="0" anchor="b"/>
+          <a:lstStyle>
+            <a:lvl1pPr algn="r">
+              <a:defRPr sz="1200"/>
+            </a:lvl1pPr>
+          </a:lstStyle>
+          <a:p>
+            <a:fld id="{9398FFF3-B273-4201-928A-4A714C8B273E}" type="slidenum">
+              <a:rPr lang="en-CA" smtClean="0"/>
+              <a:t>‹#›</a:t>
+            </a:fld>
+            <a:endParaRPr lang="en-CA"/>
+          </a:p>
+        </p:txBody>
+      </p:sp>
+    </p:spTree>
+    <p:extLst>
+      <p:ext uri="{BB962C8B-B14F-4D97-AF65-F5344CB8AC3E}">
+        <p14:creationId xmlns:p14="http://schemas.microsoft.com/office/powerpoint/2010/main" val="1436578482"/>
+      </p:ext>
+    </p:extLst>
+  </p:cSld>
+  <p:clrMap bg1="lt1" tx1="dk1" bg2="lt2" tx2="dk2" accent1="accent1" accent2="accent2" accent3="accent3" accent4="accent4" accent5="accent5" accent6="accent6" hlink="hlink" folHlink="folHlink"/>
+  <p:notesStyle>
+    <a:lvl1pPr marL="0" algn="l" defTabSz="914400" rtl="0" eaLnBrk="1" latinLnBrk="0" hangingPunct="1">
+      <a:defRPr sz="1200" kern="1200">
+        <a:solidFill>
+          <a:schemeClr val="tx1"/>
+        </a:solidFill>
+        <a:latin typeface="+mn-lt"/>
+        <a:ea typeface="+mn-ea"/>
+        <a:cs typeface="+mn-cs"/>
+      </a:defRPr>
+    </a:lvl1pPr>
+    <a:lvl2pPr marL="457200" algn="l" defTabSz="914400" rtl="0" eaLnBrk="1" latinLnBrk="0" hangingPunct="1">
+      <a:defRPr sz="1200" kern="1200">
+        <a:solidFill>
+          <a:schemeClr val="tx1"/>
+        </a:solidFill>
+        <a:latin typeface="+mn-lt"/>
+        <a:ea typeface="+mn-ea"/>
+        <a:cs typeface="+mn-cs"/>
+      </a:defRPr>
+    </a:lvl2pPr>
+    <a:lvl3pPr marL="914400" algn="l" defTabSz="914400" rtl="0" eaLnBrk="1" latinLnBrk="0" hangingPunct="1">
+      <a:defRPr sz="1200" kern="1200">
+        <a:solidFill>
+          <a:schemeClr val="tx1"/>
+        </a:solidFill>
+        <a:latin typeface="+mn-lt"/>
+        <a:ea typeface="+mn-ea"/>
+        <a:cs typeface="+mn-cs"/>
+      </a:defRPr>
+    </a:lvl3pPr>
+    <a:lvl4pPr marL="1371600" algn="l" defTabSz="914400" rtl="0" eaLnBrk="1" latinLnBrk="0" hangingPunct="1">
+      <a:defRPr sz="1200" kern="1200">
+        <a:solidFill>
+          <a:schemeClr val="tx1"/>
+        </a:solidFill>
+        <a:latin typeface="+mn-lt"/>
+        <a:ea typeface="+mn-ea"/>
+        <a:cs typeface="+mn-cs"/>
+      </a:defRPr>
+    </a:lvl4pPr>
+    <a:lvl5pPr marL="1828800" algn="l" defTabSz="914400" rtl="0" eaLnBrk="1" latinLnBrk="0" hangingPunct="1">
+      <a:defRPr sz="1200" kern="1200">
+        <a:solidFill>
+          <a:schemeClr val="tx1"/>
+        </a:solidFill>
+        <a:latin typeface="+mn-lt"/>
+        <a:ea typeface="+mn-ea"/>
+        <a:cs typeface="+mn-cs"/>
+      </a:defRPr>
+    </a:lvl5pPr>
+    <a:lvl6pPr marL="2286000" algn="l" defTabSz="914400" rtl="0" eaLnBrk="1" latinLnBrk="0" hangingPunct="1">
+      <a:defRPr sz="1200" kern="1200">
+        <a:solidFill>
+          <a:schemeClr val="tx1"/>
+        </a:solidFill>
+        <a:latin typeface="+mn-lt"/>
+        <a:ea typeface="+mn-ea"/>
+        <a:cs typeface="+mn-cs"/>
+      </a:defRPr>
+    </a:lvl6pPr>
+    <a:lvl7pPr marL="2743200" algn="l" defTabSz="914400" rtl="0" eaLnBrk="1" latinLnBrk="0" hangingPunct="1">
+      <a:defRPr sz="1200" kern="1200">
+        <a:solidFill>
+          <a:schemeClr val="tx1"/>
+        </a:solidFill>
+        <a:latin typeface="+mn-lt"/>
+        <a:ea typeface="+mn-ea"/>
+        <a:cs typeface="+mn-cs"/>
+      </a:defRPr>
+    </a:lvl7pPr>
+    <a:lvl8pPr marL="3200400" algn="l" defTabSz="914400" rtl="0" eaLnBrk="1" latinLnBrk="0" hangingPunct="1">
+      <a:defRPr sz="1200" kern="1200">
+        <a:solidFill>
+          <a:schemeClr val="tx1"/>
+        </a:solidFill>
+        <a:latin typeface="+mn-lt"/>
+        <a:ea typeface="+mn-ea"/>
+        <a:cs typeface="+mn-cs"/>
+      </a:defRPr>
+    </a:lvl8pPr>
+    <a:lvl9pPr marL="3657600" algn="l" defTabSz="914400" rtl="0" eaLnBrk="1" latinLnBrk="0" hangingPunct="1">
+      <a:defRPr sz="1200" kern="1200">
+        <a:solidFill>
+          <a:schemeClr val="tx1"/>
+        </a:solidFill>
+        <a:latin typeface="+mn-lt"/>
+        <a:ea typeface="+mn-ea"/>
+        <a:cs typeface="+mn-cs"/>
+      </a:defRPr>
+    </a:lvl9pPr>
+  </p:notesStyle>
+</p:notesMaster>
+</file>
+
+<file path=ppt/notesSlides/notesSlide1.xml><?xml version="1.0" encoding="utf-8"?>
+<p:notes xmlns:a="http://schemas.openxmlformats.org/drawingml/2006/main" xmlns:r="http://schemas.openxmlformats.org/officeDocument/2006/relationships" xmlns:p="http://schemas.openxmlformats.org/presentationml/2006/main">
+  <p:cSld>
+    <p:spTree>
+      <p:nvGrpSpPr>
+        <p:cNvPr id="1" name=""/>
+        <p:cNvGrpSpPr/>
+        <p:nvPr/>
+      </p:nvGrpSpPr>
+      <p:grpSpPr>
+        <a:xfrm>
+          <a:off x="0" y="0"/>
+          <a:ext cx="0" cy="0"/>
+          <a:chOff x="0" y="0"/>
+          <a:chExt cx="0" cy="0"/>
+        </a:xfrm>
+      </p:grpSpPr>
+      <p:sp>
+        <p:nvSpPr>
+          <p:cNvPr id="2" name="Slide Image Placeholder 1"/>
+          <p:cNvSpPr>
+            <a:spLocks noGrp="1" noRot="1" noChangeAspect="1"/>
+          </p:cNvSpPr>
+          <p:nvPr>
+            <p:ph type="sldImg"/>
+          </p:nvPr>
+        </p:nvSpPr>
+        <p:spPr/>
+      </p:sp>
+      <p:sp>
+        <p:nvSpPr>
+          <p:cNvPr id="3" name="Notes Placeholder 2"/>
+          <p:cNvSpPr>
+            <a:spLocks noGrp="1"/>
+          </p:cNvSpPr>
+          <p:nvPr>
+            <p:ph type="body" idx="1"/>
+          </p:nvPr>
+        </p:nvSpPr>
+        <p:spPr/>
+        <p:txBody>
+          <a:bodyPr/>
+          <a:lstStyle/>
+          <a:p>
+            <a:r>
+              <a:rPr lang="en-CA" dirty="0"/>
+              <a:t>This is a case study, designed to illustrate the ideas behind logistic regression I covered in the last lecture</a:t>
+            </a:r>
+          </a:p>
+          <a:p>
+            <a:endParaRPr lang="en-CA" dirty="0"/>
+          </a:p>
+          <a:p>
+            <a:r>
+              <a:rPr lang="en-CA" dirty="0"/>
+              <a:t>It is the story of a group of families, led by George Donner, who set out in 1846 to seek their fortune in the American West.</a:t>
+            </a:r>
+          </a:p>
+          <a:p>
+            <a:r>
+              <a:rPr lang="en-CA" dirty="0"/>
+              <a:t>87 people travelled across the open plains in 23 covered wagons.</a:t>
+            </a:r>
+          </a:p>
+        </p:txBody>
+      </p:sp>
+      <p:sp>
+        <p:nvSpPr>
+          <p:cNvPr id="4" name="Slide Number Placeholder 3"/>
+          <p:cNvSpPr>
+            <a:spLocks noGrp="1"/>
+          </p:cNvSpPr>
+          <p:nvPr>
+            <p:ph type="sldNum" sz="quarter" idx="5"/>
+          </p:nvPr>
+        </p:nvSpPr>
+        <p:spPr/>
+        <p:txBody>
+          <a:bodyPr/>
+          <a:lstStyle/>
+          <a:p>
+            <a:fld id="{9398FFF3-B273-4201-928A-4A714C8B273E}" type="slidenum">
+              <a:rPr lang="en-CA" smtClean="0"/>
+              <a:t>2</a:t>
+            </a:fld>
+            <a:endParaRPr lang="en-CA"/>
+          </a:p>
+        </p:txBody>
+      </p:sp>
+    </p:spTree>
+    <p:extLst>
+      <p:ext uri="{BB962C8B-B14F-4D97-AF65-F5344CB8AC3E}">
+        <p14:creationId xmlns:p14="http://schemas.microsoft.com/office/powerpoint/2010/main" val="2432701554"/>
+      </p:ext>
+    </p:extLst>
+  </p:cSld>
+  <p:clrMapOvr>
+    <a:masterClrMapping/>
+  </p:clrMapOvr>
+</p:notes>
+</file>
+
+<file path=ppt/notesSlides/notesSlide2.xml><?xml version="1.0" encoding="utf-8"?>
+<p:notes xmlns:a="http://schemas.openxmlformats.org/drawingml/2006/main" xmlns:r="http://schemas.openxmlformats.org/officeDocument/2006/relationships" xmlns:p="http://schemas.openxmlformats.org/presentationml/2006/main">
+  <p:cSld>
+    <p:spTree>
+      <p:nvGrpSpPr>
+        <p:cNvPr id="1" name=""/>
+        <p:cNvGrpSpPr/>
+        <p:nvPr/>
+      </p:nvGrpSpPr>
+      <p:grpSpPr>
+        <a:xfrm>
+          <a:off x="0" y="0"/>
+          <a:ext cx="0" cy="0"/>
+          <a:chOff x="0" y="0"/>
+          <a:chExt cx="0" cy="0"/>
+        </a:xfrm>
+      </p:grpSpPr>
+      <p:sp>
+        <p:nvSpPr>
+          <p:cNvPr id="2" name="Slide Image Placeholder 1"/>
+          <p:cNvSpPr>
+            <a:spLocks noGrp="1" noRot="1" noChangeAspect="1"/>
+          </p:cNvSpPr>
+          <p:nvPr>
+            <p:ph type="sldImg"/>
+          </p:nvPr>
+        </p:nvSpPr>
+        <p:spPr/>
+      </p:sp>
+      <p:sp>
+        <p:nvSpPr>
+          <p:cNvPr id="3" name="Notes Placeholder 2"/>
+          <p:cNvSpPr>
+            <a:spLocks noGrp="1"/>
+          </p:cNvSpPr>
+          <p:nvPr>
+            <p:ph type="body" idx="1"/>
+          </p:nvPr>
+        </p:nvSpPr>
+        <p:spPr/>
+        <p:txBody>
+          <a:bodyPr/>
+          <a:lstStyle/>
+          <a:p>
+            <a:r>
+              <a:rPr lang="en-CA" dirty="0"/>
+              <a:t>The route to CA through the Sierra Nevada mountains was largely unknown. They relied on Lansford Hasting to guide them, a choice that proved disastrous.</a:t>
+            </a:r>
+          </a:p>
+          <a:p>
+            <a:endParaRPr lang="en-CA" dirty="0"/>
+          </a:p>
+          <a:p>
+            <a:r>
+              <a:rPr lang="en-CA" dirty="0"/>
+              <a:t>In October 1846 the worst recorded blizzard struck and they were stranded, just below what is now called the Donner Pass near Reno NV.</a:t>
+            </a:r>
+          </a:p>
+          <a:p>
+            <a:endParaRPr lang="en-CA" dirty="0"/>
+          </a:p>
+          <a:p>
+            <a:r>
+              <a:rPr lang="en-CA" dirty="0"/>
+              <a:t>By the time they were finally rescued in in the following March, 47 had died, and there was evidence that the 42 who survived had resorted to cannibalism.</a:t>
+            </a:r>
+          </a:p>
+        </p:txBody>
+      </p:sp>
+      <p:sp>
+        <p:nvSpPr>
+          <p:cNvPr id="4" name="Slide Number Placeholder 3"/>
+          <p:cNvSpPr>
+            <a:spLocks noGrp="1"/>
+          </p:cNvSpPr>
+          <p:nvPr>
+            <p:ph type="sldNum" sz="quarter" idx="5"/>
+          </p:nvPr>
+        </p:nvSpPr>
+        <p:spPr/>
+        <p:txBody>
+          <a:bodyPr/>
+          <a:lstStyle/>
+          <a:p>
+            <a:fld id="{9398FFF3-B273-4201-928A-4A714C8B273E}" type="slidenum">
+              <a:rPr lang="en-CA" smtClean="0"/>
+              <a:t>3</a:t>
+            </a:fld>
+            <a:endParaRPr lang="en-CA"/>
+          </a:p>
+        </p:txBody>
+      </p:sp>
+    </p:spTree>
+    <p:extLst>
+      <p:ext uri="{BB962C8B-B14F-4D97-AF65-F5344CB8AC3E}">
+        <p14:creationId xmlns:p14="http://schemas.microsoft.com/office/powerpoint/2010/main" val="4088462758"/>
+      </p:ext>
+    </p:extLst>
+  </p:cSld>
+  <p:clrMapOvr>
+    <a:masterClrMapping/>
+  </p:clrMapOvr>
+</p:notes>
+</file>
+
+<file path=ppt/notesSlides/notesSlide3.xml><?xml version="1.0" encoding="utf-8"?>
+<p:notes xmlns:a="http://schemas.openxmlformats.org/drawingml/2006/main" xmlns:r="http://schemas.openxmlformats.org/officeDocument/2006/relationships" xmlns:p="http://schemas.openxmlformats.org/presentationml/2006/main">
+  <p:cSld>
+    <p:spTree>
+      <p:nvGrpSpPr>
+        <p:cNvPr id="1" name=""/>
+        <p:cNvGrpSpPr/>
+        <p:nvPr/>
+      </p:nvGrpSpPr>
+      <p:grpSpPr>
+        <a:xfrm>
+          <a:off x="0" y="0"/>
+          <a:ext cx="0" cy="0"/>
+          <a:chOff x="0" y="0"/>
+          <a:chExt cx="0" cy="0"/>
+        </a:xfrm>
+      </p:grpSpPr>
+      <p:sp>
+        <p:nvSpPr>
+          <p:cNvPr id="2" name="Slide Image Placeholder 1"/>
+          <p:cNvSpPr>
+            <a:spLocks noGrp="1" noRot="1" noChangeAspect="1"/>
+          </p:cNvSpPr>
+          <p:nvPr>
+            <p:ph type="sldImg"/>
+          </p:nvPr>
+        </p:nvSpPr>
+        <p:spPr/>
+      </p:sp>
+      <p:sp>
+        <p:nvSpPr>
+          <p:cNvPr id="3" name="Notes Placeholder 2"/>
+          <p:cNvSpPr>
+            <a:spLocks noGrp="1"/>
+          </p:cNvSpPr>
+          <p:nvPr>
+            <p:ph type="body" idx="1"/>
+          </p:nvPr>
+        </p:nvSpPr>
+        <p:spPr/>
+        <p:txBody>
+          <a:bodyPr/>
+          <a:lstStyle/>
+          <a:p>
+            <a:endParaRPr lang="en-CA" dirty="0"/>
+          </a:p>
+        </p:txBody>
+      </p:sp>
+      <p:sp>
+        <p:nvSpPr>
+          <p:cNvPr id="4" name="Slide Number Placeholder 3"/>
+          <p:cNvSpPr>
+            <a:spLocks noGrp="1"/>
+          </p:cNvSpPr>
+          <p:nvPr>
+            <p:ph type="sldNum" sz="quarter" idx="5"/>
+          </p:nvPr>
+        </p:nvSpPr>
+        <p:spPr/>
+        <p:txBody>
+          <a:bodyPr/>
+          <a:lstStyle/>
+          <a:p>
+            <a:fld id="{9398FFF3-B273-4201-928A-4A714C8B273E}" type="slidenum">
+              <a:rPr lang="en-CA" smtClean="0"/>
+              <a:t>50</a:t>
+            </a:fld>
+            <a:endParaRPr lang="en-CA"/>
+          </a:p>
+        </p:txBody>
+      </p:sp>
+    </p:spTree>
+    <p:extLst>
+      <p:ext uri="{BB962C8B-B14F-4D97-AF65-F5344CB8AC3E}">
+        <p14:creationId xmlns:p14="http://schemas.microsoft.com/office/powerpoint/2010/main" val="119013398"/>
+      </p:ext>
+    </p:extLst>
+  </p:cSld>
+  <p:clrMapOvr>
+    <a:masterClrMapping/>
+  </p:clrMapOvr>
+</p:notes>
 </file>
 
 <file path=ppt/slideLayouts/slideLayout1.xml><?xml version="1.0" encoding="utf-8"?>
@@ -628,7 +1272,7 @@
           <a:p>
             <a:fld id="{EAAD3657-2200-4D14-82C0-10C39B0F0F06}" type="datetime1">
               <a:rPr lang="en-US" smtClean="0"/>
-              <a:t>2/14/2023</a:t>
+              <a:t>2/28/2023</a:t>
             </a:fld>
             <a:endParaRPr lang="en-US"/>
           </a:p>
@@ -796,7 +1440,7 @@
           <a:p>
             <a:fld id="{11BBAF55-A85E-4993-914E-FC1E5AA7DF24}" type="datetime1">
               <a:rPr lang="en-US" smtClean="0"/>
-              <a:t>2/14/2023</a:t>
+              <a:t>2/28/2023</a:t>
             </a:fld>
             <a:endParaRPr lang="en-US"/>
           </a:p>
@@ -974,7 +1618,7 @@
           <a:p>
             <a:fld id="{39816E07-E1DB-44A4-A5E5-9F4B54E8C933}" type="datetime1">
               <a:rPr lang="en-US" smtClean="0"/>
-              <a:t>2/14/2023</a:t>
+              <a:t>2/28/2023</a:t>
             </a:fld>
             <a:endParaRPr lang="en-US"/>
           </a:p>
@@ -1159,7 +1803,7 @@
           <a:p>
             <a:fld id="{C2B1AD17-B813-4477-8AFE-B1860CC59113}" type="datetime1">
               <a:rPr lang="en-US" smtClean="0"/>
-              <a:t>2/14/2023</a:t>
+              <a:t>2/28/2023</a:t>
             </a:fld>
             <a:endParaRPr lang="en-US"/>
           </a:p>
@@ -1404,7 +2048,7 @@
           <a:p>
             <a:fld id="{D0975C0D-5C9E-48CC-8D31-F42D19FA8F7A}" type="datetime1">
               <a:rPr lang="en-US" smtClean="0"/>
-              <a:t>2/14/2023</a:t>
+              <a:t>2/28/2023</a:t>
             </a:fld>
             <a:endParaRPr lang="en-US"/>
           </a:p>
@@ -1689,7 +2333,7 @@
           <a:p>
             <a:fld id="{28657551-0F2B-4F09-86FD-F7994CE83DC5}" type="datetime1">
               <a:rPr lang="en-US" smtClean="0"/>
-              <a:t>2/14/2023</a:t>
+              <a:t>2/28/2023</a:t>
             </a:fld>
             <a:endParaRPr lang="en-US"/>
           </a:p>
@@ -2108,7 +2752,7 @@
           <a:p>
             <a:fld id="{3929D2B2-4200-46B9-96C3-02A55D5FAA00}" type="datetime1">
               <a:rPr lang="en-US" smtClean="0"/>
-              <a:t>2/14/2023</a:t>
+              <a:t>2/28/2023</a:t>
             </a:fld>
             <a:endParaRPr lang="en-US"/>
           </a:p>
@@ -2225,7 +2869,7 @@
           <a:p>
             <a:fld id="{41FF7722-74E8-497F-A072-89677A2C2373}" type="datetime1">
               <a:rPr lang="en-US" smtClean="0"/>
-              <a:t>2/14/2023</a:t>
+              <a:t>2/28/2023</a:t>
             </a:fld>
             <a:endParaRPr lang="en-US"/>
           </a:p>
@@ -2320,7 +2964,7 @@
           <a:p>
             <a:fld id="{BD26212E-B46B-426F-AE59-AA326827D9E0}" type="datetime1">
               <a:rPr lang="en-US" smtClean="0"/>
-              <a:t>2/14/2023</a:t>
+              <a:t>2/28/2023</a:t>
             </a:fld>
             <a:endParaRPr lang="en-US"/>
           </a:p>
@@ -2595,7 +3239,7 @@
           <a:p>
             <a:fld id="{FB9B81E8-09EA-4684-A39F-38DE1E49D20C}" type="datetime1">
               <a:rPr lang="en-US" smtClean="0"/>
-              <a:t>2/14/2023</a:t>
+              <a:t>2/28/2023</a:t>
             </a:fld>
             <a:endParaRPr lang="en-US"/>
           </a:p>
@@ -2847,7 +3491,7 @@
           <a:p>
             <a:fld id="{35C5CC5F-056C-4047-9A5C-9F5B4BED129B}" type="datetime1">
               <a:rPr lang="en-US" smtClean="0"/>
-              <a:t>2/14/2023</a:t>
+              <a:t>2/28/2023</a:t>
             </a:fld>
             <a:endParaRPr lang="en-US"/>
           </a:p>
@@ -3061,7 +3705,7 @@
           <a:p>
             <a:fld id="{E8171053-07BD-4A17-AC24-0A22EAA36098}" type="datetime1">
               <a:rPr lang="en-US" smtClean="0"/>
-              <a:t>2/14/2023</a:t>
+              <a:t>2/28/2023</a:t>
             </a:fld>
             <a:endParaRPr lang="en-US"/>
           </a:p>
@@ -3866,7 +4510,7 @@
         <p:spPr>
           <a:xfrm>
             <a:off x="533400" y="1981200"/>
-            <a:ext cx="3124200" cy="646331"/>
+            <a:ext cx="3124200" cy="2862322"/>
           </a:xfrm>
           <a:prstGeom prst="rect">
             <a:avLst/>
@@ -3882,6 +4526,40 @@
             <a:r>
               <a:rPr lang="en-US" dirty="0"/>
               <a:t>Fit separate loess smooths for M &amp; F</a:t>
+            </a:r>
+          </a:p>
+          <a:p>
+            <a:endParaRPr lang="en-US" dirty="0"/>
+          </a:p>
+          <a:p>
+            <a:r>
+              <a:rPr lang="en-US" dirty="0"/>
+              <a:t>For males, the result is not as smooth as the poly(age,2) suggests</a:t>
+            </a:r>
+          </a:p>
+          <a:p>
+            <a:endParaRPr lang="en-US" dirty="0"/>
+          </a:p>
+          <a:p>
+            <a:r>
+              <a:rPr lang="en-US" b="1" dirty="0">
+                <a:solidFill>
+                  <a:srgbClr val="0070C0"/>
+                </a:solidFill>
+              </a:rPr>
+              <a:t>All</a:t>
+            </a:r>
+            <a:r>
+              <a:rPr lang="en-US" dirty="0">
+                <a:solidFill>
+                  <a:srgbClr val="0070C0"/>
+                </a:solidFill>
+              </a:rPr>
+              <a:t> fitted models </a:t>
+            </a:r>
+            <a:r>
+              <a:rPr lang="en-US" dirty="0"/>
+              <a:t>give a smoothing of the binary outcome!</a:t>
             </a:r>
           </a:p>
         </p:txBody>
@@ -4087,7 +4765,21 @@
                 <a:latin typeface="Courier New" panose="02070309020205020404" pitchFamily="49" charset="0"/>
                 <a:cs typeface="Courier New" panose="02070309020205020404" pitchFamily="49" charset="0"/>
               </a:rPr>
-              <a:t>(survived ~ age + sex,</a:t>
+              <a:t>(survived ~ </a:t>
+            </a:r>
+            <a:r>
+              <a:rPr lang="en-US" sz="1600" b="1" dirty="0">
+                <a:latin typeface="Courier New" panose="02070309020205020404" pitchFamily="49" charset="0"/>
+                <a:cs typeface="Courier New" panose="02070309020205020404" pitchFamily="49" charset="0"/>
+              </a:rPr>
+              <a:t>age + sex</a:t>
+            </a:r>
+            <a:r>
+              <a:rPr lang="en-US" sz="1600" dirty="0">
+                <a:latin typeface="Courier New" panose="02070309020205020404" pitchFamily="49" charset="0"/>
+                <a:cs typeface="Courier New" panose="02070309020205020404" pitchFamily="49" charset="0"/>
+              </a:rPr>
+              <a:t>,</a:t>
             </a:r>
           </a:p>
           <a:p>
@@ -4119,7 +4811,21 @@
                 <a:latin typeface="Courier New" panose="02070309020205020404" pitchFamily="49" charset="0"/>
                 <a:cs typeface="Courier New" panose="02070309020205020404" pitchFamily="49" charset="0"/>
               </a:rPr>
-              <a:t>(survived ~ age * sex,</a:t>
+              <a:t>(survived ~ </a:t>
+            </a:r>
+            <a:r>
+              <a:rPr lang="en-US" sz="1600" b="1" dirty="0">
+                <a:latin typeface="Courier New" panose="02070309020205020404" pitchFamily="49" charset="0"/>
+                <a:cs typeface="Courier New" panose="02070309020205020404" pitchFamily="49" charset="0"/>
+              </a:rPr>
+              <a:t>age * sex</a:t>
+            </a:r>
+            <a:r>
+              <a:rPr lang="en-US" sz="1600" dirty="0">
+                <a:latin typeface="Courier New" panose="02070309020205020404" pitchFamily="49" charset="0"/>
+                <a:cs typeface="Courier New" panose="02070309020205020404" pitchFamily="49" charset="0"/>
+              </a:rPr>
+              <a:t>,</a:t>
             </a:r>
           </a:p>
           <a:p>
@@ -4479,7 +5185,21 @@
                 <a:latin typeface="Courier New" panose="02070309020205020404" pitchFamily="49" charset="0"/>
                 <a:cs typeface="Courier New" panose="02070309020205020404" pitchFamily="49" charset="0"/>
               </a:rPr>
-              <a:t>(survived ~ poly(age,2) + sex,</a:t>
+              <a:t>(survived ~ </a:t>
+            </a:r>
+            <a:r>
+              <a:rPr lang="en-US" sz="1600" b="1" dirty="0">
+                <a:latin typeface="Courier New" panose="02070309020205020404" pitchFamily="49" charset="0"/>
+                <a:cs typeface="Courier New" panose="02070309020205020404" pitchFamily="49" charset="0"/>
+              </a:rPr>
+              <a:t>poly(age,2</a:t>
+            </a:r>
+            <a:r>
+              <a:rPr lang="en-US" sz="1600" dirty="0">
+                <a:latin typeface="Courier New" panose="02070309020205020404" pitchFamily="49" charset="0"/>
+                <a:cs typeface="Courier New" panose="02070309020205020404" pitchFamily="49" charset="0"/>
+              </a:rPr>
+              <a:t>) + sex,</a:t>
             </a:r>
           </a:p>
           <a:p>
@@ -4511,7 +5231,21 @@
                 <a:latin typeface="Courier New" panose="02070309020205020404" pitchFamily="49" charset="0"/>
                 <a:cs typeface="Courier New" panose="02070309020205020404" pitchFamily="49" charset="0"/>
               </a:rPr>
-              <a:t>(survived ~ poly(age,2) * sex,</a:t>
+              <a:t>(survived ~ </a:t>
+            </a:r>
+            <a:r>
+              <a:rPr lang="en-US" sz="1600" b="1" dirty="0">
+                <a:latin typeface="Courier New" panose="02070309020205020404" pitchFamily="49" charset="0"/>
+                <a:cs typeface="Courier New" panose="02070309020205020404" pitchFamily="49" charset="0"/>
+              </a:rPr>
+              <a:t>poly(age,2) </a:t>
+            </a:r>
+            <a:r>
+              <a:rPr lang="en-US" sz="1600" dirty="0">
+                <a:latin typeface="Courier New" panose="02070309020205020404" pitchFamily="49" charset="0"/>
+                <a:cs typeface="Courier New" panose="02070309020205020404" pitchFamily="49" charset="0"/>
+              </a:rPr>
+              <a:t>* sex,</a:t>
             </a:r>
           </a:p>
           <a:p>
@@ -5122,7 +5856,7 @@
         </p:nvSpPr>
         <p:spPr>
           <a:xfrm>
-            <a:off x="6111240" y="3198167"/>
+            <a:off x="6019800" y="3348335"/>
             <a:ext cx="457200" cy="461665"/>
           </a:xfrm>
           <a:prstGeom prst="rect">
@@ -5144,7 +5878,7 @@
                 </a:solidFill>
                 <a:sym typeface="Wingdings" panose="05000000000000000000" pitchFamily="2" charset="2"/>
               </a:rPr>
-              <a:t></a:t>
+              <a:t> </a:t>
             </a:r>
             <a:endParaRPr lang="en-US" sz="2400" dirty="0">
               <a:solidFill>
@@ -5886,7 +6620,7 @@
           <p:cNvPr id="2" name="Title 1">
             <a:extLst>
               <a:ext uri="{FF2B5EF4-FFF2-40B4-BE49-F238E27FC236}">
-                <a16:creationId xmlns:a16="http://schemas.microsoft.com/office/drawing/2014/main" id="{DBF399A2-2F17-448B-BFE8-D67D19ECD95F}"/>
+                <a16:creationId xmlns:a16="http://schemas.microsoft.com/office/drawing/2014/main" id="{AC6E1FC1-C3E2-AF19-00D4-F68C211931C2}"/>
               </a:ext>
             </a:extLst>
           </p:cNvPr>
@@ -5897,20 +6631,15 @@
             <p:ph type="title"/>
           </p:nvPr>
         </p:nvSpPr>
-        <p:spPr>
-          <a:xfrm>
-            <a:off x="457200" y="504380"/>
-            <a:ext cx="2209800" cy="6004052"/>
-          </a:xfrm>
-        </p:spPr>
+        <p:spPr/>
         <p:txBody>
           <a:bodyPr>
-            <a:normAutofit/>
+            <a:normAutofit fontScale="90000"/>
           </a:bodyPr>
           <a:lstStyle/>
           <a:p>
             <a:r>
-              <a:rPr lang="en-US" sz="3200" dirty="0"/>
+              <a:rPr lang="en-CA" dirty="0"/>
               <a:t>Polytomous responses: Overview</a:t>
             </a:r>
           </a:p>
@@ -5918,10 +6647,194 @@
       </p:sp>
       <p:sp>
         <p:nvSpPr>
+          <p:cNvPr id="4" name="Content Placeholder 3">
+            <a:extLst>
+              <a:ext uri="{FF2B5EF4-FFF2-40B4-BE49-F238E27FC236}">
+                <a16:creationId xmlns:a16="http://schemas.microsoft.com/office/drawing/2014/main" id="{6EAD07CA-6FEE-1924-A3CD-0E42CD627EC9}"/>
+              </a:ext>
+            </a:extLst>
+          </p:cNvPr>
+          <p:cNvSpPr>
+            <a:spLocks noGrp="1"/>
+          </p:cNvSpPr>
+          <p:nvPr>
+            <p:ph idx="1"/>
+          </p:nvPr>
+        </p:nvSpPr>
+        <p:spPr/>
+        <p:txBody>
+          <a:bodyPr/>
+          <a:lstStyle/>
+          <a:p>
+            <a:r>
+              <a:rPr lang="en-US" dirty="0"/>
+              <a:t>Polytomous responses</a:t>
+            </a:r>
+          </a:p>
+          <a:p>
+            <a:pPr marL="685800" lvl="1">
+              <a:buFont typeface="Arial" panose="020B0604020202020204" pitchFamily="34" charset="0"/>
+              <a:buChar char="•"/>
+            </a:pPr>
+            <a:r>
+              <a:rPr lang="en-US" i="1" dirty="0"/>
+              <a:t>m</a:t>
+            </a:r>
+            <a:r>
+              <a:rPr lang="en-US" dirty="0"/>
+              <a:t> categories </a:t>
+            </a:r>
+            <a:r>
+              <a:rPr lang="en-US" dirty="0">
+                <a:sym typeface="Symbol" panose="05050102010706020507" pitchFamily="18" charset="2"/>
+              </a:rPr>
+              <a:t> (</a:t>
+            </a:r>
+            <a:r>
+              <a:rPr lang="en-US" i="1" dirty="0">
+                <a:sym typeface="Symbol" panose="05050102010706020507" pitchFamily="18" charset="2"/>
+              </a:rPr>
+              <a:t>m</a:t>
+            </a:r>
+            <a:r>
+              <a:rPr lang="en-US" dirty="0">
+                <a:sym typeface="Symbol" panose="05050102010706020507" pitchFamily="18" charset="2"/>
+              </a:rPr>
+              <a:t>-1) independent comparisons (logits)</a:t>
+            </a:r>
+          </a:p>
+          <a:p>
+            <a:pPr marL="685800" lvl="1">
+              <a:buFont typeface="Arial" panose="020B0604020202020204" pitchFamily="34" charset="0"/>
+              <a:buChar char="•"/>
+            </a:pPr>
+            <a:r>
+              <a:rPr lang="en-US" dirty="0">
+                <a:sym typeface="Symbol" panose="05050102010706020507" pitchFamily="18" charset="2"/>
+              </a:rPr>
+              <a:t>One part of the model for each logit</a:t>
+            </a:r>
+          </a:p>
+          <a:p>
+            <a:pPr marL="685800" lvl="1">
+              <a:buFont typeface="Arial" panose="020B0604020202020204" pitchFamily="34" charset="0"/>
+              <a:buChar char="•"/>
+            </a:pPr>
+            <a:r>
+              <a:rPr lang="en-US" dirty="0">
+                <a:sym typeface="Symbol" panose="05050102010706020507" pitchFamily="18" charset="2"/>
+              </a:rPr>
+              <a:t>Similar to ANOVA where an </a:t>
+            </a:r>
+            <a:r>
+              <a:rPr lang="en-US" i="1" dirty="0">
+                <a:sym typeface="Symbol" panose="05050102010706020507" pitchFamily="18" charset="2"/>
+              </a:rPr>
+              <a:t>m</a:t>
+            </a:r>
+            <a:r>
+              <a:rPr lang="en-US" dirty="0">
+                <a:sym typeface="Symbol" panose="05050102010706020507" pitchFamily="18" charset="2"/>
+              </a:rPr>
+              <a:t>-level factor  (</a:t>
+            </a:r>
+            <a:r>
+              <a:rPr lang="en-US" i="1" dirty="0">
+                <a:sym typeface="Symbol" panose="05050102010706020507" pitchFamily="18" charset="2"/>
+              </a:rPr>
+              <a:t>m</a:t>
+            </a:r>
+            <a:r>
+              <a:rPr lang="en-US" dirty="0">
+                <a:sym typeface="Symbol" panose="05050102010706020507" pitchFamily="18" charset="2"/>
+              </a:rPr>
+              <a:t>-1) contrasts (</a:t>
+            </a:r>
+            <a:r>
+              <a:rPr lang="en-US" dirty="0" err="1">
+                <a:sym typeface="Symbol" panose="05050102010706020507" pitchFamily="18" charset="2"/>
+              </a:rPr>
+              <a:t>df</a:t>
+            </a:r>
+            <a:r>
+              <a:rPr lang="en-US" dirty="0">
+                <a:sym typeface="Symbol" panose="05050102010706020507" pitchFamily="18" charset="2"/>
+              </a:rPr>
+              <a:t>)</a:t>
+            </a:r>
+          </a:p>
+          <a:p>
+            <a:pPr marL="285750"/>
+            <a:r>
+              <a:rPr lang="en-US" dirty="0">
+                <a:sym typeface="Symbol" panose="05050102010706020507" pitchFamily="18" charset="2"/>
+              </a:rPr>
+              <a:t>Methods differ according to whether the response categories are </a:t>
+            </a:r>
+            <a:r>
+              <a:rPr lang="en-US" dirty="0">
+                <a:solidFill>
+                  <a:srgbClr val="0070C0"/>
+                </a:solidFill>
+                <a:sym typeface="Symbol" panose="05050102010706020507" pitchFamily="18" charset="2"/>
+              </a:rPr>
+              <a:t>ordered</a:t>
+            </a:r>
+            <a:r>
+              <a:rPr lang="en-US" dirty="0">
+                <a:sym typeface="Symbol" panose="05050102010706020507" pitchFamily="18" charset="2"/>
+              </a:rPr>
+              <a:t> or </a:t>
+            </a:r>
+            <a:r>
+              <a:rPr lang="en-US" dirty="0">
+                <a:solidFill>
+                  <a:srgbClr val="0070C0"/>
+                </a:solidFill>
+                <a:sym typeface="Symbol" panose="05050102010706020507" pitchFamily="18" charset="2"/>
+              </a:rPr>
+              <a:t>unordered</a:t>
+            </a:r>
+          </a:p>
+          <a:p>
+            <a:pPr marL="685800" lvl="1"/>
+            <a:r>
+              <a:rPr lang="en-US" dirty="0">
+                <a:sym typeface="Symbol" panose="05050102010706020507" pitchFamily="18" charset="2"/>
+              </a:rPr>
+              <a:t>proportional odds model</a:t>
+            </a:r>
+          </a:p>
+          <a:p>
+            <a:pPr marL="685800" lvl="1"/>
+            <a:r>
+              <a:rPr lang="en-US" dirty="0">
+                <a:sym typeface="Symbol" panose="05050102010706020507" pitchFamily="18" charset="2"/>
+              </a:rPr>
+              <a:t>Nested dichotomies</a:t>
+            </a:r>
+          </a:p>
+          <a:p>
+            <a:pPr marL="685800" lvl="1"/>
+            <a:r>
+              <a:rPr lang="en-US" dirty="0"/>
+              <a:t>Generalized multinomial logistic model</a:t>
+            </a:r>
+          </a:p>
+          <a:p>
+            <a:pPr marL="0" indent="0">
+              <a:buNone/>
+            </a:pPr>
+            <a:endParaRPr lang="en-CA" dirty="0"/>
+          </a:p>
+        </p:txBody>
+      </p:sp>
+      <p:sp>
+        <p:nvSpPr>
           <p:cNvPr id="3" name="Slide Number Placeholder 2">
             <a:extLst>
               <a:ext uri="{FF2B5EF4-FFF2-40B4-BE49-F238E27FC236}">
-                <a16:creationId xmlns:a16="http://schemas.microsoft.com/office/drawing/2014/main" id="{9268A8B3-C3E0-4D79-B058-40239F9A9DC6}"/>
+                <a16:creationId xmlns:a16="http://schemas.microsoft.com/office/drawing/2014/main" id="{F66F33EB-7FE3-8924-CB34-30DD479DCD5D}"/>
               </a:ext>
             </a:extLst>
           </p:cNvPr>
@@ -5945,46 +6858,10 @@
           </a:p>
         </p:txBody>
       </p:sp>
-      <p:pic>
-        <p:nvPicPr>
-          <p:cNvPr id="5" name="Picture 4" descr="Diagram&#10;&#10;Description automatically generated">
-            <a:extLst>
-              <a:ext uri="{FF2B5EF4-FFF2-40B4-BE49-F238E27FC236}">
-                <a16:creationId xmlns:a16="http://schemas.microsoft.com/office/drawing/2014/main" id="{3A950DBC-BC3D-46C0-AA40-5B97A74A957D}"/>
-              </a:ext>
-            </a:extLst>
-          </p:cNvPr>
-          <p:cNvPicPr>
-            <a:picLocks noChangeAspect="1"/>
-          </p:cNvPicPr>
-          <p:nvPr/>
-        </p:nvPicPr>
-        <p:blipFill>
-          <a:blip r:embed="rId2" cstate="print">
-            <a:extLst>
-              <a:ext uri="{28A0092B-C50C-407E-A947-70E740481C1C}">
-                <a14:useLocalDpi xmlns:a14="http://schemas.microsoft.com/office/drawing/2010/main" val="0"/>
-              </a:ext>
-            </a:extLst>
-          </a:blip>
-          <a:stretch>
-            <a:fillRect/>
-          </a:stretch>
-        </p:blipFill>
-        <p:spPr>
-          <a:xfrm>
-            <a:off x="2819400" y="504380"/>
-            <a:ext cx="6200332" cy="5780532"/>
-          </a:xfrm>
-          <a:prstGeom prst="rect">
-            <a:avLst/>
-          </a:prstGeom>
-        </p:spPr>
-      </p:pic>
     </p:spTree>
     <p:extLst>
       <p:ext uri="{BB962C8B-B14F-4D97-AF65-F5344CB8AC3E}">
-        <p14:creationId xmlns:p14="http://schemas.microsoft.com/office/powerpoint/2010/main" val="2254555349"/>
+        <p14:creationId xmlns:p14="http://schemas.microsoft.com/office/powerpoint/2010/main" val="1592134576"/>
       </p:ext>
     </p:extLst>
   </p:cSld>
@@ -6066,7 +6943,7 @@
         </p:nvSpPr>
         <p:spPr>
           <a:xfrm>
-            <a:off x="2895600" y="838200"/>
+            <a:off x="2895600" y="1115458"/>
             <a:ext cx="1600200" cy="461665"/>
           </a:xfrm>
           <a:prstGeom prst="rect">
@@ -6135,7 +7012,7 @@
         </p:nvSpPr>
         <p:spPr>
           <a:xfrm>
-            <a:off x="5257800" y="838200"/>
+            <a:off x="5257800" y="1115458"/>
             <a:ext cx="1600200" cy="461665"/>
           </a:xfrm>
           <a:prstGeom prst="rect">
@@ -6204,7 +7081,7 @@
         </p:nvSpPr>
         <p:spPr>
           <a:xfrm>
-            <a:off x="1104900" y="730478"/>
+            <a:off x="1104900" y="1007736"/>
             <a:ext cx="2057400" cy="584775"/>
           </a:xfrm>
           <a:prstGeom prst="rect">
@@ -6239,7 +7116,7 @@
         </p:nvSpPr>
         <p:spPr>
           <a:xfrm>
-            <a:off x="2895600" y="1600200"/>
+            <a:off x="2895600" y="1877458"/>
             <a:ext cx="1600200" cy="738664"/>
           </a:xfrm>
           <a:prstGeom prst="rect">
@@ -6286,7 +7163,7 @@
         </p:nvSpPr>
         <p:spPr>
           <a:xfrm>
-            <a:off x="5257800" y="1600200"/>
+            <a:off x="5257800" y="1877458"/>
             <a:ext cx="1600200" cy="954107"/>
           </a:xfrm>
           <a:prstGeom prst="rect">
@@ -6339,7 +7216,7 @@
         </p:nvSpPr>
         <p:spPr>
           <a:xfrm>
-            <a:off x="5638800" y="2895600"/>
+            <a:off x="5638800" y="3172858"/>
             <a:ext cx="2133600" cy="646331"/>
           </a:xfrm>
           <a:prstGeom prst="rect">
@@ -6387,7 +7264,7 @@
         </p:nvSpPr>
         <p:spPr>
           <a:xfrm>
-            <a:off x="2148840" y="3276600"/>
+            <a:off x="2148840" y="3553858"/>
             <a:ext cx="1828800" cy="646331"/>
           </a:xfrm>
           <a:prstGeom prst="rect">
@@ -6436,7 +7313,7 @@
         </p:nvSpPr>
         <p:spPr>
           <a:xfrm>
-            <a:off x="3810000" y="4038133"/>
+            <a:off x="3810000" y="4315391"/>
             <a:ext cx="1828800" cy="646331"/>
           </a:xfrm>
           <a:prstGeom prst="rect">
@@ -6484,7 +7361,7 @@
         </p:nvSpPr>
         <p:spPr>
           <a:xfrm>
-            <a:off x="1104900" y="1733619"/>
+            <a:off x="1104900" y="2010877"/>
             <a:ext cx="1737360" cy="338554"/>
           </a:xfrm>
           <a:prstGeom prst="rect">
@@ -6519,7 +7396,7 @@
         </p:nvSpPr>
         <p:spPr>
           <a:xfrm>
-            <a:off x="1104900" y="2814320"/>
+            <a:off x="1104900" y="3091578"/>
             <a:ext cx="2133600" cy="338554"/>
           </a:xfrm>
           <a:prstGeom prst="rect">
@@ -6562,7 +7439,7 @@
         </p:blipFill>
         <p:spPr>
           <a:xfrm>
-            <a:off x="2034668" y="5180666"/>
+            <a:off x="2034668" y="5457924"/>
             <a:ext cx="2057143" cy="790476"/>
           </a:xfrm>
           <a:prstGeom prst="rect">
@@ -6592,7 +7469,7 @@
         </p:blipFill>
         <p:spPr>
           <a:xfrm>
-            <a:off x="4915143" y="5180666"/>
+            <a:off x="4915143" y="5457924"/>
             <a:ext cx="1942857" cy="771429"/>
           </a:xfrm>
           <a:prstGeom prst="rect">
@@ -6614,7 +7491,7 @@
         </p:nvSpPr>
         <p:spPr>
           <a:xfrm>
-            <a:off x="1181100" y="4648200"/>
+            <a:off x="1181100" y="4925458"/>
             <a:ext cx="2171700" cy="338554"/>
           </a:xfrm>
           <a:prstGeom prst="rect">
@@ -6649,7 +7526,7 @@
         </p:nvSpPr>
         <p:spPr>
           <a:xfrm>
-            <a:off x="2675052" y="1143001"/>
+            <a:off x="2675052" y="1420259"/>
             <a:ext cx="454228" cy="2077720"/>
           </a:xfrm>
           <a:custGeom>
@@ -6745,7 +7622,7 @@
         </p:nvSpPr>
         <p:spPr>
           <a:xfrm>
-            <a:off x="4480560" y="1054334"/>
+            <a:off x="4480560" y="1331592"/>
             <a:ext cx="315725" cy="2867426"/>
           </a:xfrm>
           <a:custGeom>
@@ -6841,7 +7718,7 @@
         </p:nvSpPr>
         <p:spPr>
           <a:xfrm>
-            <a:off x="6837680" y="1117600"/>
+            <a:off x="6837680" y="1394858"/>
             <a:ext cx="376546" cy="1696720"/>
           </a:xfrm>
           <a:custGeom>
@@ -6929,7 +7806,7 @@
         </p:nvCxnSpPr>
         <p:spPr>
           <a:xfrm>
-            <a:off x="3352800" y="4038133"/>
+            <a:off x="3352800" y="4315391"/>
             <a:ext cx="0" cy="1067267"/>
           </a:xfrm>
           <a:prstGeom prst="straightConnector1">
@@ -6970,7 +7847,7 @@
         </p:nvCxnSpPr>
         <p:spPr>
           <a:xfrm>
-            <a:off x="5181599" y="4459069"/>
+            <a:off x="5181599" y="4736327"/>
             <a:ext cx="1" cy="646331"/>
           </a:xfrm>
           <a:prstGeom prst="straightConnector1">
@@ -7017,7 +7894,7 @@
         </p:blipFill>
         <p:spPr>
           <a:xfrm>
-            <a:off x="6400800" y="4453055"/>
+            <a:off x="6400800" y="4730313"/>
             <a:ext cx="1942857" cy="592054"/>
           </a:xfrm>
           <a:prstGeom prst="rect">
@@ -7041,7 +7918,7 @@
         </p:nvCxnSpPr>
         <p:spPr>
           <a:xfrm>
-            <a:off x="7176489" y="3474269"/>
+            <a:off x="7176489" y="3751527"/>
             <a:ext cx="0" cy="978786"/>
           </a:xfrm>
           <a:prstGeom prst="straightConnector1">
@@ -8163,6 +9040,346 @@
           </a:prstGeom>
         </p:spPr>
       </p:pic>
+      <p:grpSp>
+        <p:nvGrpSpPr>
+          <p:cNvPr id="13" name="Group 12">
+            <a:extLst>
+              <a:ext uri="{FF2B5EF4-FFF2-40B4-BE49-F238E27FC236}">
+                <a16:creationId xmlns:a16="http://schemas.microsoft.com/office/drawing/2014/main" id="{93BC4D5B-C6BF-F957-1F7A-122375A8BF34}"/>
+              </a:ext>
+            </a:extLst>
+          </p:cNvPr>
+          <p:cNvGrpSpPr/>
+          <p:nvPr/>
+        </p:nvGrpSpPr>
+        <p:grpSpPr>
+          <a:xfrm>
+            <a:off x="1905000" y="4953000"/>
+            <a:ext cx="3276600" cy="1412796"/>
+            <a:chOff x="2286000" y="4953000"/>
+            <a:chExt cx="3276600" cy="1412796"/>
+          </a:xfrm>
+        </p:grpSpPr>
+        <p:sp>
+          <p:nvSpPr>
+            <p:cNvPr id="6" name="TextBox 5">
+              <a:extLst>
+                <a:ext uri="{FF2B5EF4-FFF2-40B4-BE49-F238E27FC236}">
+                  <a16:creationId xmlns:a16="http://schemas.microsoft.com/office/drawing/2014/main" id="{BF719EAD-70C5-65DA-B6C9-325F55202D7C}"/>
+                </a:ext>
+              </a:extLst>
+            </p:cNvPr>
+            <p:cNvSpPr txBox="1"/>
+            <p:nvPr/>
+          </p:nvSpPr>
+          <p:spPr>
+            <a:xfrm>
+              <a:off x="2286000" y="4953000"/>
+              <a:ext cx="2286000" cy="369332"/>
+            </a:xfrm>
+            <a:prstGeom prst="rect">
+              <a:avLst/>
+            </a:prstGeom>
+            <a:noFill/>
+            <a:ln w="19050">
+              <a:solidFill>
+                <a:schemeClr val="tx1"/>
+              </a:solidFill>
+            </a:ln>
+          </p:spPr>
+          <p:txBody>
+            <a:bodyPr wrap="square" rtlCol="0">
+              <a:spAutoFit/>
+            </a:bodyPr>
+            <a:lstStyle/>
+            <a:p>
+              <a:r>
+                <a:rPr lang="en-CA" dirty="0"/>
+                <a:t>NDP   Liberal     Green</a:t>
+              </a:r>
+            </a:p>
+          </p:txBody>
+        </p:sp>
+        <p:sp>
+          <p:nvSpPr>
+            <p:cNvPr id="7" name="TextBox 6">
+              <a:extLst>
+                <a:ext uri="{FF2B5EF4-FFF2-40B4-BE49-F238E27FC236}">
+                  <a16:creationId xmlns:a16="http://schemas.microsoft.com/office/drawing/2014/main" id="{64DDD28F-4180-9DC4-F6E8-02BCDC454B07}"/>
+                </a:ext>
+              </a:extLst>
+            </p:cNvPr>
+            <p:cNvSpPr txBox="1"/>
+            <p:nvPr/>
+          </p:nvSpPr>
+          <p:spPr>
+            <a:xfrm>
+              <a:off x="4953000" y="4953000"/>
+              <a:ext cx="609600" cy="369332"/>
+            </a:xfrm>
+            <a:prstGeom prst="rect">
+              <a:avLst/>
+            </a:prstGeom>
+            <a:noFill/>
+            <a:ln w="19050">
+              <a:solidFill>
+                <a:schemeClr val="tx1"/>
+              </a:solidFill>
+            </a:ln>
+          </p:spPr>
+          <p:txBody>
+            <a:bodyPr wrap="square" rtlCol="0">
+              <a:spAutoFit/>
+            </a:bodyPr>
+            <a:lstStyle/>
+            <a:p>
+              <a:r>
+                <a:rPr lang="en-CA" dirty="0"/>
+                <a:t>Tory</a:t>
+              </a:r>
+            </a:p>
+          </p:txBody>
+        </p:sp>
+        <p:sp>
+          <p:nvSpPr>
+            <p:cNvPr id="8" name="TextBox 7">
+              <a:extLst>
+                <a:ext uri="{FF2B5EF4-FFF2-40B4-BE49-F238E27FC236}">
+                  <a16:creationId xmlns:a16="http://schemas.microsoft.com/office/drawing/2014/main" id="{E6310464-E415-69E6-445E-600EDC5D9D79}"/>
+                </a:ext>
+              </a:extLst>
+            </p:cNvPr>
+            <p:cNvSpPr txBox="1"/>
+            <p:nvPr/>
+          </p:nvSpPr>
+          <p:spPr>
+            <a:xfrm>
+              <a:off x="2286000" y="5474732"/>
+              <a:ext cx="1371600" cy="369332"/>
+            </a:xfrm>
+            <a:prstGeom prst="rect">
+              <a:avLst/>
+            </a:prstGeom>
+            <a:noFill/>
+            <a:ln w="19050">
+              <a:solidFill>
+                <a:schemeClr val="tx1"/>
+              </a:solidFill>
+            </a:ln>
+          </p:spPr>
+          <p:txBody>
+            <a:bodyPr wrap="square" rtlCol="0">
+              <a:spAutoFit/>
+            </a:bodyPr>
+            <a:lstStyle/>
+            <a:p>
+              <a:r>
+                <a:rPr lang="en-CA" dirty="0"/>
+                <a:t>NDP   Liberal</a:t>
+              </a:r>
+            </a:p>
+          </p:txBody>
+        </p:sp>
+        <p:sp>
+          <p:nvSpPr>
+            <p:cNvPr id="9" name="TextBox 8">
+              <a:extLst>
+                <a:ext uri="{FF2B5EF4-FFF2-40B4-BE49-F238E27FC236}">
+                  <a16:creationId xmlns:a16="http://schemas.microsoft.com/office/drawing/2014/main" id="{A0089635-2F66-FA98-1897-328B2115C888}"/>
+                </a:ext>
+              </a:extLst>
+            </p:cNvPr>
+            <p:cNvSpPr txBox="1"/>
+            <p:nvPr/>
+          </p:nvSpPr>
+          <p:spPr>
+            <a:xfrm>
+              <a:off x="3810000" y="5474732"/>
+              <a:ext cx="762000" cy="369332"/>
+            </a:xfrm>
+            <a:prstGeom prst="rect">
+              <a:avLst/>
+            </a:prstGeom>
+            <a:noFill/>
+            <a:ln w="19050">
+              <a:solidFill>
+                <a:schemeClr val="tx1"/>
+              </a:solidFill>
+            </a:ln>
+          </p:spPr>
+          <p:txBody>
+            <a:bodyPr wrap="square" rtlCol="0">
+              <a:spAutoFit/>
+            </a:bodyPr>
+            <a:lstStyle/>
+            <a:p>
+              <a:r>
+                <a:rPr lang="en-CA" dirty="0"/>
+                <a:t>Green</a:t>
+              </a:r>
+            </a:p>
+          </p:txBody>
+        </p:sp>
+        <p:sp>
+          <p:nvSpPr>
+            <p:cNvPr id="10" name="TextBox 9">
+              <a:extLst>
+                <a:ext uri="{FF2B5EF4-FFF2-40B4-BE49-F238E27FC236}">
+                  <a16:creationId xmlns:a16="http://schemas.microsoft.com/office/drawing/2014/main" id="{D5353BA2-065C-AB68-6E52-9F0940A5D9CA}"/>
+                </a:ext>
+              </a:extLst>
+            </p:cNvPr>
+            <p:cNvSpPr txBox="1"/>
+            <p:nvPr/>
+          </p:nvSpPr>
+          <p:spPr>
+            <a:xfrm>
+              <a:off x="2286000" y="5987018"/>
+              <a:ext cx="609600" cy="369332"/>
+            </a:xfrm>
+            <a:prstGeom prst="rect">
+              <a:avLst/>
+            </a:prstGeom>
+            <a:noFill/>
+            <a:ln w="19050">
+              <a:solidFill>
+                <a:schemeClr val="tx1"/>
+              </a:solidFill>
+            </a:ln>
+          </p:spPr>
+          <p:txBody>
+            <a:bodyPr wrap="square" rtlCol="0">
+              <a:spAutoFit/>
+            </a:bodyPr>
+            <a:lstStyle/>
+            <a:p>
+              <a:r>
+                <a:rPr lang="en-CA" dirty="0"/>
+                <a:t>NDP</a:t>
+              </a:r>
+            </a:p>
+          </p:txBody>
+        </p:sp>
+        <p:sp>
+          <p:nvSpPr>
+            <p:cNvPr id="11" name="TextBox 10">
+              <a:extLst>
+                <a:ext uri="{FF2B5EF4-FFF2-40B4-BE49-F238E27FC236}">
+                  <a16:creationId xmlns:a16="http://schemas.microsoft.com/office/drawing/2014/main" id="{EF936ED6-35BF-5FCA-9A3A-CEDD4BA7DB6A}"/>
+                </a:ext>
+              </a:extLst>
+            </p:cNvPr>
+            <p:cNvSpPr txBox="1"/>
+            <p:nvPr/>
+          </p:nvSpPr>
+          <p:spPr>
+            <a:xfrm>
+              <a:off x="2952750" y="5996464"/>
+              <a:ext cx="857250" cy="369332"/>
+            </a:xfrm>
+            <a:prstGeom prst="rect">
+              <a:avLst/>
+            </a:prstGeom>
+            <a:noFill/>
+            <a:ln w="19050">
+              <a:solidFill>
+                <a:schemeClr val="tx1"/>
+              </a:solidFill>
+            </a:ln>
+          </p:spPr>
+          <p:txBody>
+            <a:bodyPr wrap="square" rtlCol="0">
+              <a:spAutoFit/>
+            </a:bodyPr>
+            <a:lstStyle/>
+            <a:p>
+              <a:r>
+                <a:rPr lang="en-CA" dirty="0"/>
+                <a:t>Liberal</a:t>
+              </a:r>
+            </a:p>
+          </p:txBody>
+        </p:sp>
+      </p:grpSp>
+      <p:sp>
+        <p:nvSpPr>
+          <p:cNvPr id="12" name="TextBox 11">
+            <a:extLst>
+              <a:ext uri="{FF2B5EF4-FFF2-40B4-BE49-F238E27FC236}">
+                <a16:creationId xmlns:a16="http://schemas.microsoft.com/office/drawing/2014/main" id="{B589CBF5-20EF-B56A-EB79-E74A4B206F43}"/>
+              </a:ext>
+            </a:extLst>
+          </p:cNvPr>
+          <p:cNvSpPr txBox="1"/>
+          <p:nvPr/>
+        </p:nvSpPr>
+        <p:spPr>
+          <a:xfrm>
+            <a:off x="5715002" y="4771072"/>
+            <a:ext cx="2971798" cy="1477328"/>
+          </a:xfrm>
+          <a:prstGeom prst="rect">
+            <a:avLst/>
+          </a:prstGeom>
+          <a:noFill/>
+        </p:spPr>
+        <p:txBody>
+          <a:bodyPr wrap="square" rtlCol="0">
+            <a:spAutoFit/>
+          </a:bodyPr>
+          <a:lstStyle/>
+          <a:p>
+            <a:r>
+              <a:rPr lang="en-CA" dirty="0"/>
+              <a:t>These contrasts are </a:t>
+            </a:r>
+            <a:r>
+              <a:rPr lang="en-CA" dirty="0">
+                <a:solidFill>
+                  <a:srgbClr val="0070C0"/>
+                </a:solidFill>
+              </a:rPr>
+              <a:t>orthogonal</a:t>
+            </a:r>
+          </a:p>
+          <a:p>
+            <a:pPr marL="285750" indent="-285750">
+              <a:buFont typeface="Arial" panose="020B0604020202020204" pitchFamily="34" charset="0"/>
+              <a:buChar char="•"/>
+            </a:pPr>
+            <a:r>
+              <a:rPr lang="en-CA" dirty="0"/>
+              <a:t>Models are </a:t>
+            </a:r>
+            <a:r>
+              <a:rPr lang="en-CA" dirty="0">
+                <a:solidFill>
+                  <a:srgbClr val="0070C0"/>
+                </a:solidFill>
+              </a:rPr>
+              <a:t>independent</a:t>
+            </a:r>
+          </a:p>
+          <a:p>
+            <a:pPr marL="285750" indent="-285750">
+              <a:buFont typeface="Arial" panose="020B0604020202020204" pitchFamily="34" charset="0"/>
+              <a:buChar char="•"/>
+            </a:pPr>
+            <a:r>
+              <a:rPr lang="en-CA" dirty="0"/>
+              <a:t>G</a:t>
+            </a:r>
+            <a:r>
+              <a:rPr lang="en-CA" baseline="30000" dirty="0"/>
+              <a:t>2</a:t>
+            </a:r>
+            <a:r>
+              <a:rPr lang="en-CA" dirty="0"/>
+              <a:t> s add to that for combined model</a:t>
+            </a:r>
+          </a:p>
+        </p:txBody>
+      </p:sp>
     </p:spTree>
     <p:extLst>
       <p:ext uri="{BB962C8B-B14F-4D97-AF65-F5344CB8AC3E}">
@@ -8317,7 +9534,7 @@
           <p:nvPr/>
         </p:nvPicPr>
         <p:blipFill>
-          <a:blip r:embed="rId2">
+          <a:blip r:embed="rId3">
             <a:extLst>
               <a:ext uri="{28A0092B-C50C-407E-A947-70E740481C1C}">
                 <a14:useLocalDpi xmlns:a14="http://schemas.microsoft.com/office/drawing/2010/main" val="0"/>
@@ -8619,10 +9836,9 @@
               <a:t>adjacent category </a:t>
             </a:r>
             <a:r>
-              <a:rPr lang="en-US" dirty="0" err="1"/>
-              <a:t>cutpoints</a:t>
-            </a:r>
-            <a:endParaRPr lang="en-US" dirty="0"/>
+              <a:rPr lang="en-US" dirty="0"/>
+              <a:t>cut-points</a:t>
+            </a:r>
           </a:p>
         </p:txBody>
       </p:sp>
@@ -9818,7 +11034,7 @@
         </p:nvSpPr>
         <p:spPr>
           <a:xfrm>
-            <a:off x="457200" y="1676400"/>
+            <a:off x="457200" y="1742182"/>
             <a:ext cx="8229600" cy="1077218"/>
           </a:xfrm>
           <a:prstGeom prst="rect">
@@ -9964,7 +11180,7 @@
         <p:spPr>
           <a:xfrm>
             <a:off x="457200" y="1219200"/>
-            <a:ext cx="8229600" cy="369332"/>
+            <a:ext cx="8229600" cy="400110"/>
           </a:xfrm>
           <a:prstGeom prst="rect">
             <a:avLst/>
@@ -9978,11 +11194,11 @@
           <a:lstStyle/>
           <a:p>
             <a:r>
-              <a:rPr lang="en-US" dirty="0"/>
+              <a:rPr lang="en-US" sz="2000" dirty="0"/>
               <a:t>The response Improved has been defined as an </a:t>
             </a:r>
             <a:r>
-              <a:rPr lang="en-US" dirty="0">
+              <a:rPr lang="en-US" sz="2000" dirty="0">
                 <a:solidFill>
                   <a:srgbClr val="0070C0"/>
                 </a:solidFill>
@@ -9990,7 +11206,7 @@
               <a:t>ordered</a:t>
             </a:r>
             <a:r>
-              <a:rPr lang="en-US" dirty="0"/>
+              <a:rPr lang="en-US" sz="2000" dirty="0"/>
               <a:t> factor</a:t>
             </a:r>
           </a:p>
@@ -10010,8 +11226,8 @@
         </p:nvSpPr>
         <p:spPr>
           <a:xfrm>
-            <a:off x="457200" y="3048000"/>
-            <a:ext cx="8229600" cy="381000"/>
+            <a:off x="457200" y="3276600"/>
+            <a:ext cx="8229600" cy="461665"/>
           </a:xfrm>
           <a:prstGeom prst="rect">
             <a:avLst/>
@@ -10025,15 +11241,43 @@
           <a:lstStyle/>
           <a:p>
             <a:r>
-              <a:rPr lang="en-US" dirty="0"/>
-              <a:t>Fit the model with MASS::</a:t>
-            </a:r>
-            <a:r>
-              <a:rPr lang="en-US" dirty="0" err="1"/>
+              <a:rPr lang="en-US" sz="2400" dirty="0"/>
+              <a:t>Fit the model with </a:t>
+            </a:r>
+            <a:r>
+              <a:rPr lang="en-US" sz="2400" b="1" dirty="0">
+                <a:solidFill>
+                  <a:schemeClr val="accent6">
+                    <a:lumMod val="50000"/>
+                  </a:schemeClr>
+                </a:solidFill>
+                <a:latin typeface="Courier New" panose="02070309020205020404" pitchFamily="49" charset="0"/>
+                <a:cs typeface="Courier New" panose="02070309020205020404" pitchFamily="49" charset="0"/>
+              </a:rPr>
+              <a:t>MASS::</a:t>
+            </a:r>
+            <a:r>
+              <a:rPr lang="en-US" sz="2400" b="1" dirty="0" err="1">
+                <a:solidFill>
+                  <a:schemeClr val="accent6">
+                    <a:lumMod val="50000"/>
+                  </a:schemeClr>
+                </a:solidFill>
+                <a:latin typeface="Courier New" panose="02070309020205020404" pitchFamily="49" charset="0"/>
+                <a:cs typeface="Courier New" panose="02070309020205020404" pitchFamily="49" charset="0"/>
+              </a:rPr>
               <a:t>polr</a:t>
             </a:r>
             <a:r>
-              <a:rPr lang="en-US" dirty="0"/>
+              <a:rPr lang="en-US" sz="2400" b="1" dirty="0">
+                <a:solidFill>
+                  <a:schemeClr val="accent6">
+                    <a:lumMod val="50000"/>
+                  </a:schemeClr>
+                </a:solidFill>
+                <a:latin typeface="Courier New" panose="02070309020205020404" pitchFamily="49" charset="0"/>
+                <a:cs typeface="Courier New" panose="02070309020205020404" pitchFamily="49" charset="0"/>
+              </a:rPr>
               <a:t>()</a:t>
             </a:r>
           </a:p>
@@ -10053,7 +11297,7 @@
         </p:nvSpPr>
         <p:spPr>
           <a:xfrm>
-            <a:off x="533400" y="3733800"/>
+            <a:off x="533400" y="3934361"/>
             <a:ext cx="8153400" cy="1323439"/>
           </a:xfrm>
           <a:prstGeom prst="rect">
@@ -12111,7 +13355,21 @@
                 <a:latin typeface="Courier New" panose="02070309020205020404" pitchFamily="49" charset="0"/>
                 <a:cs typeface="Courier New" panose="02070309020205020404" pitchFamily="49" charset="0"/>
               </a:rPr>
-              <a:t>                family = cumulative(parallel=TRUE))</a:t>
+              <a:t>                family = cumulative(</a:t>
+            </a:r>
+            <a:r>
+              <a:rPr lang="en-US" sz="1400" b="1" dirty="0">
+                <a:latin typeface="Courier New" panose="02070309020205020404" pitchFamily="49" charset="0"/>
+                <a:cs typeface="Courier New" panose="02070309020205020404" pitchFamily="49" charset="0"/>
+              </a:rPr>
+              <a:t>parallel=TRUE</a:t>
+            </a:r>
+            <a:r>
+              <a:rPr lang="en-US" sz="1400" dirty="0">
+                <a:latin typeface="Courier New" panose="02070309020205020404" pitchFamily="49" charset="0"/>
+                <a:cs typeface="Courier New" panose="02070309020205020404" pitchFamily="49" charset="0"/>
+              </a:rPr>
+              <a:t>))</a:t>
             </a:r>
           </a:p>
         </p:txBody>
@@ -12232,7 +13490,21 @@
                 <a:latin typeface="Courier New" panose="02070309020205020404" pitchFamily="49" charset="0"/>
                 <a:cs typeface="Courier New" panose="02070309020205020404" pitchFamily="49" charset="0"/>
               </a:rPr>
-              <a:t>                 family = cumulative(parallel=FALSE))</a:t>
+              <a:t>                 family = cumulative(</a:t>
+            </a:r>
+            <a:r>
+              <a:rPr lang="en-US" sz="1400" b="1" dirty="0">
+                <a:latin typeface="Courier New" panose="02070309020205020404" pitchFamily="49" charset="0"/>
+                <a:cs typeface="Courier New" panose="02070309020205020404" pitchFamily="49" charset="0"/>
+              </a:rPr>
+              <a:t>parallel=FALSE</a:t>
+            </a:r>
+            <a:r>
+              <a:rPr lang="en-US" sz="1400" dirty="0">
+                <a:latin typeface="Courier New" panose="02070309020205020404" pitchFamily="49" charset="0"/>
+                <a:cs typeface="Courier New" panose="02070309020205020404" pitchFamily="49" charset="0"/>
+              </a:rPr>
+              <a:t>))</a:t>
             </a:r>
           </a:p>
         </p:txBody>
@@ -12471,6 +13743,52 @@
               </a:rPr>
               <a:t>2 163  -72.7  3  1.88        0.6</a:t>
             </a:r>
+          </a:p>
+        </p:txBody>
+      </p:sp>
+      <p:sp>
+        <p:nvSpPr>
+          <p:cNvPr id="4" name="TextBox 3">
+            <a:extLst>
+              <a:ext uri="{FF2B5EF4-FFF2-40B4-BE49-F238E27FC236}">
+                <a16:creationId xmlns:a16="http://schemas.microsoft.com/office/drawing/2014/main" id="{171A3F94-AD01-5138-DCF2-472CDFE6A848}"/>
+              </a:ext>
+            </a:extLst>
+          </p:cNvPr>
+          <p:cNvSpPr txBox="1"/>
+          <p:nvPr/>
+        </p:nvSpPr>
+        <p:spPr>
+          <a:xfrm>
+            <a:off x="4800600" y="6020602"/>
+            <a:ext cx="457200" cy="461665"/>
+          </a:xfrm>
+          <a:prstGeom prst="rect">
+            <a:avLst/>
+          </a:prstGeom>
+          <a:noFill/>
+        </p:spPr>
+        <p:txBody>
+          <a:bodyPr wrap="square" rtlCol="0">
+            <a:spAutoFit/>
+          </a:bodyPr>
+          <a:lstStyle/>
+          <a:p>
+            <a:pPr algn="ctr"/>
+            <a:r>
+              <a:rPr lang="en-US" sz="2400" dirty="0">
+                <a:solidFill>
+                  <a:srgbClr val="00B050"/>
+                </a:solidFill>
+                <a:sym typeface="Wingdings" panose="05000000000000000000" pitchFamily="2" charset="2"/>
+              </a:rPr>
+              <a:t></a:t>
+            </a:r>
+            <a:endParaRPr lang="en-US" sz="2400" dirty="0">
+              <a:solidFill>
+                <a:srgbClr val="00B050"/>
+              </a:solidFill>
+            </a:endParaRPr>
           </a:p>
         </p:txBody>
       </p:sp>
@@ -12830,7 +14148,7 @@
           <p:nvPr/>
         </p:nvPicPr>
         <p:blipFill>
-          <a:blip r:embed="rId2">
+          <a:blip r:embed="rId3">
             <a:extLst>
               <a:ext uri="{28A0092B-C50C-407E-A947-70E740481C1C}">
                 <a14:useLocalDpi xmlns:a14="http://schemas.microsoft.com/office/drawing/2010/main" val="0"/>
@@ -12868,10 +14186,186 @@
             <a:off x="6477000" y="3505200"/>
             <a:ext cx="2133600" cy="1477328"/>
           </a:xfrm>
-          <a:prstGeom prst="rect">
+          <a:custGeom>
             <a:avLst/>
-          </a:prstGeom>
+            <a:gdLst>
+              <a:gd name="connsiteX0" fmla="*/ 0 w 2133600"/>
+              <a:gd name="connsiteY0" fmla="*/ 0 h 1477328"/>
+              <a:gd name="connsiteX1" fmla="*/ 512064 w 2133600"/>
+              <a:gd name="connsiteY1" fmla="*/ 0 h 1477328"/>
+              <a:gd name="connsiteX2" fmla="*/ 981456 w 2133600"/>
+              <a:gd name="connsiteY2" fmla="*/ 0 h 1477328"/>
+              <a:gd name="connsiteX3" fmla="*/ 1557528 w 2133600"/>
+              <a:gd name="connsiteY3" fmla="*/ 0 h 1477328"/>
+              <a:gd name="connsiteX4" fmla="*/ 2133600 w 2133600"/>
+              <a:gd name="connsiteY4" fmla="*/ 0 h 1477328"/>
+              <a:gd name="connsiteX5" fmla="*/ 2133600 w 2133600"/>
+              <a:gd name="connsiteY5" fmla="*/ 477669 h 1477328"/>
+              <a:gd name="connsiteX6" fmla="*/ 2133600 w 2133600"/>
+              <a:gd name="connsiteY6" fmla="*/ 940565 h 1477328"/>
+              <a:gd name="connsiteX7" fmla="*/ 2133600 w 2133600"/>
+              <a:gd name="connsiteY7" fmla="*/ 1477328 h 1477328"/>
+              <a:gd name="connsiteX8" fmla="*/ 1600200 w 2133600"/>
+              <a:gd name="connsiteY8" fmla="*/ 1477328 h 1477328"/>
+              <a:gd name="connsiteX9" fmla="*/ 1130808 w 2133600"/>
+              <a:gd name="connsiteY9" fmla="*/ 1477328 h 1477328"/>
+              <a:gd name="connsiteX10" fmla="*/ 597408 w 2133600"/>
+              <a:gd name="connsiteY10" fmla="*/ 1477328 h 1477328"/>
+              <a:gd name="connsiteX11" fmla="*/ 0 w 2133600"/>
+              <a:gd name="connsiteY11" fmla="*/ 1477328 h 1477328"/>
+              <a:gd name="connsiteX12" fmla="*/ 0 w 2133600"/>
+              <a:gd name="connsiteY12" fmla="*/ 999659 h 1477328"/>
+              <a:gd name="connsiteX13" fmla="*/ 0 w 2133600"/>
+              <a:gd name="connsiteY13" fmla="*/ 521989 h 1477328"/>
+              <a:gd name="connsiteX14" fmla="*/ 0 w 2133600"/>
+              <a:gd name="connsiteY14" fmla="*/ 0 h 1477328"/>
+            </a:gdLst>
+            <a:ahLst/>
+            <a:cxnLst>
+              <a:cxn ang="0">
+                <a:pos x="connsiteX0" y="connsiteY0"/>
+              </a:cxn>
+              <a:cxn ang="0">
+                <a:pos x="connsiteX1" y="connsiteY1"/>
+              </a:cxn>
+              <a:cxn ang="0">
+                <a:pos x="connsiteX2" y="connsiteY2"/>
+              </a:cxn>
+              <a:cxn ang="0">
+                <a:pos x="connsiteX3" y="connsiteY3"/>
+              </a:cxn>
+              <a:cxn ang="0">
+                <a:pos x="connsiteX4" y="connsiteY4"/>
+              </a:cxn>
+              <a:cxn ang="0">
+                <a:pos x="connsiteX5" y="connsiteY5"/>
+              </a:cxn>
+              <a:cxn ang="0">
+                <a:pos x="connsiteX6" y="connsiteY6"/>
+              </a:cxn>
+              <a:cxn ang="0">
+                <a:pos x="connsiteX7" y="connsiteY7"/>
+              </a:cxn>
+              <a:cxn ang="0">
+                <a:pos x="connsiteX8" y="connsiteY8"/>
+              </a:cxn>
+              <a:cxn ang="0">
+                <a:pos x="connsiteX9" y="connsiteY9"/>
+              </a:cxn>
+              <a:cxn ang="0">
+                <a:pos x="connsiteX10" y="connsiteY10"/>
+              </a:cxn>
+              <a:cxn ang="0">
+                <a:pos x="connsiteX11" y="connsiteY11"/>
+              </a:cxn>
+              <a:cxn ang="0">
+                <a:pos x="connsiteX12" y="connsiteY12"/>
+              </a:cxn>
+              <a:cxn ang="0">
+                <a:pos x="connsiteX13" y="connsiteY13"/>
+              </a:cxn>
+              <a:cxn ang="0">
+                <a:pos x="connsiteX14" y="connsiteY14"/>
+              </a:cxn>
+            </a:cxnLst>
+            <a:rect l="l" t="t" r="r" b="b"/>
+            <a:pathLst>
+              <a:path w="2133600" h="1477328" extrusionOk="0">
+                <a:moveTo>
+                  <a:pt x="0" y="0"/>
+                </a:moveTo>
+                <a:cubicBezTo>
+                  <a:pt x="147793" y="-53575"/>
+                  <a:pt x="366857" y="44195"/>
+                  <a:pt x="512064" y="0"/>
+                </a:cubicBezTo>
+                <a:cubicBezTo>
+                  <a:pt x="657271" y="-44195"/>
+                  <a:pt x="803525" y="40401"/>
+                  <a:pt x="981456" y="0"/>
+                </a:cubicBezTo>
+                <a:cubicBezTo>
+                  <a:pt x="1159387" y="-40401"/>
+                  <a:pt x="1295124" y="52911"/>
+                  <a:pt x="1557528" y="0"/>
+                </a:cubicBezTo>
+                <a:cubicBezTo>
+                  <a:pt x="1819932" y="-52911"/>
+                  <a:pt x="1891227" y="44002"/>
+                  <a:pt x="2133600" y="0"/>
+                </a:cubicBezTo>
+                <a:cubicBezTo>
+                  <a:pt x="2177073" y="161838"/>
+                  <a:pt x="2112885" y="314693"/>
+                  <a:pt x="2133600" y="477669"/>
+                </a:cubicBezTo>
+                <a:cubicBezTo>
+                  <a:pt x="2154315" y="640645"/>
+                  <a:pt x="2105786" y="778956"/>
+                  <a:pt x="2133600" y="940565"/>
+                </a:cubicBezTo>
+                <a:cubicBezTo>
+                  <a:pt x="2161414" y="1102174"/>
+                  <a:pt x="2124317" y="1260170"/>
+                  <a:pt x="2133600" y="1477328"/>
+                </a:cubicBezTo>
+                <a:cubicBezTo>
+                  <a:pt x="1928145" y="1488207"/>
+                  <a:pt x="1856732" y="1424021"/>
+                  <a:pt x="1600200" y="1477328"/>
+                </a:cubicBezTo>
+                <a:cubicBezTo>
+                  <a:pt x="1343668" y="1530635"/>
+                  <a:pt x="1251883" y="1435601"/>
+                  <a:pt x="1130808" y="1477328"/>
+                </a:cubicBezTo>
+                <a:cubicBezTo>
+                  <a:pt x="1009733" y="1519055"/>
+                  <a:pt x="839039" y="1449330"/>
+                  <a:pt x="597408" y="1477328"/>
+                </a:cubicBezTo>
+                <a:cubicBezTo>
+                  <a:pt x="355777" y="1505326"/>
+                  <a:pt x="275343" y="1424010"/>
+                  <a:pt x="0" y="1477328"/>
+                </a:cubicBezTo>
+                <a:cubicBezTo>
+                  <a:pt x="-12584" y="1303871"/>
+                  <a:pt x="18280" y="1135968"/>
+                  <a:pt x="0" y="999659"/>
+                </a:cubicBezTo>
+                <a:cubicBezTo>
+                  <a:pt x="-18280" y="863350"/>
+                  <a:pt x="19781" y="664233"/>
+                  <a:pt x="0" y="521989"/>
+                </a:cubicBezTo>
+                <a:cubicBezTo>
+                  <a:pt x="-19781" y="379745"/>
+                  <a:pt x="31329" y="207288"/>
+                  <a:pt x="0" y="0"/>
+                </a:cubicBezTo>
+                <a:close/>
+              </a:path>
+            </a:pathLst>
+          </a:custGeom>
           <a:noFill/>
+          <a:ln>
+            <a:solidFill>
+              <a:schemeClr val="accent1"/>
+            </a:solidFill>
+            <a:extLst>
+              <a:ext uri="{C807C97D-BFC1-408E-A445-0C87EB9F89A2}">
+                <ask:lineSketchStyleProps xmlns:ask="http://schemas.microsoft.com/office/drawing/2018/sketchyshapes" sd="1219033472">
+                  <a:prstGeom prst="rect">
+                    <a:avLst/>
+                  </a:prstGeom>
+                  <ask:type>
+                    <ask:lineSketchScribble/>
+                  </ask:type>
+                </ask:lineSketchStyleProps>
+              </a:ext>
+            </a:extLst>
+          </a:ln>
         </p:spPr>
         <p:txBody>
           <a:bodyPr wrap="square" rtlCol="0">
@@ -13330,7 +14824,14 @@
                 <a:latin typeface="Courier New" panose="02070309020205020404" pitchFamily="49" charset="0"/>
                 <a:cs typeface="Courier New" panose="02070309020205020404" pitchFamily="49" charset="0"/>
               </a:rPr>
-              <a:t>), style='stacked’,</a:t>
+              <a:t>), </a:t>
+            </a:r>
+            <a:r>
+              <a:rPr lang="en-US" sz="1600" b="1" dirty="0">
+                <a:latin typeface="Courier New" panose="02070309020205020404" pitchFamily="49" charset="0"/>
+                <a:cs typeface="Courier New" panose="02070309020205020404" pitchFamily="49" charset="0"/>
+              </a:rPr>
+              <a:t>style='stacked’,</a:t>
             </a:r>
           </a:p>
           <a:p>
@@ -13759,7 +15260,15 @@
             </a:r>
             <a:r>
               <a:rPr lang="en-US" dirty="0"/>
-              <a:t>, latent = TRUE))</a:t>
+              <a:t>, </a:t>
+            </a:r>
+            <a:r>
+              <a:rPr lang="en-US" b="1" dirty="0"/>
+              <a:t>latent = TRUE</a:t>
+            </a:r>
+            <a:r>
+              <a:rPr lang="en-US" dirty="0"/>
+              <a:t>))</a:t>
             </a:r>
           </a:p>
         </p:txBody>
@@ -14612,8 +16121,8 @@
         </p:nvSpPr>
         <p:spPr>
           <a:xfrm>
-            <a:off x="457200" y="1203960"/>
-            <a:ext cx="8229600" cy="369332"/>
+            <a:off x="457200" y="1143000"/>
+            <a:ext cx="8229600" cy="461665"/>
           </a:xfrm>
           <a:prstGeom prst="rect">
             <a:avLst/>
@@ -14627,8 +16136,30 @@
           <a:lstStyle/>
           <a:p>
             <a:r>
-              <a:rPr lang="en-US" dirty="0"/>
-              <a:t>In R, need to create new variables, working and fulltime.  </a:t>
+              <a:rPr lang="en-US" sz="2400" dirty="0"/>
+              <a:t>In R, need to create new variables, </a:t>
+            </a:r>
+            <a:r>
+              <a:rPr lang="en-US" sz="2400" b="1" dirty="0">
+                <a:latin typeface="Courier New" panose="02070309020205020404" pitchFamily="49" charset="0"/>
+                <a:cs typeface="Courier New" panose="02070309020205020404" pitchFamily="49" charset="0"/>
+              </a:rPr>
+              <a:t>working</a:t>
+            </a:r>
+            <a:r>
+              <a:rPr lang="en-US" sz="2400" dirty="0"/>
+              <a:t> and </a:t>
+            </a:r>
+            <a:r>
+              <a:rPr lang="en-US" sz="2400" b="1" dirty="0">
+                <a:latin typeface="Courier New" panose="02070309020205020404" pitchFamily="49" charset="0"/>
+                <a:cs typeface="Courier New" panose="02070309020205020404" pitchFamily="49" charset="0"/>
+              </a:rPr>
+              <a:t>fulltime</a:t>
+            </a:r>
+            <a:r>
+              <a:rPr lang="en-US" sz="2400" dirty="0"/>
+              <a:t>.  </a:t>
             </a:r>
           </a:p>
         </p:txBody>
@@ -14647,7 +16178,7 @@
         </p:nvSpPr>
         <p:spPr>
           <a:xfrm>
-            <a:off x="457200" y="1772920"/>
+            <a:off x="457200" y="1817906"/>
             <a:ext cx="8229600" cy="4278094"/>
           </a:xfrm>
           <a:prstGeom prst="rect">
@@ -15191,7 +16722,7 @@
         <p:spPr>
           <a:xfrm>
             <a:off x="457200" y="1143000"/>
-            <a:ext cx="8229600" cy="369332"/>
+            <a:ext cx="8229600" cy="461665"/>
           </a:xfrm>
           <a:prstGeom prst="rect">
             <a:avLst/>
@@ -15205,7 +16736,7 @@
           <a:lstStyle/>
           <a:p>
             <a:r>
-              <a:rPr lang="en-US" dirty="0"/>
+              <a:rPr lang="en-US" sz="2400" dirty="0"/>
               <a:t>Then, fit separate models for each dichotomy:</a:t>
             </a:r>
           </a:p>
@@ -16937,12 +18468,20 @@
               <a:t>See the file: </a:t>
             </a:r>
             <a:r>
-              <a:rPr lang="en-US" dirty="0" err="1"/>
+              <a:rPr lang="en-US" dirty="0" err="1">
+                <a:hlinkClick r:id="rId3"/>
+              </a:rPr>
               <a:t>wlf-nested.R</a:t>
             </a:r>
             <a:r>
+              <a:rPr lang="en-US" dirty="0">
+                <a:hlinkClick r:id="rId3"/>
+              </a:rPr>
+              <a:t> </a:t>
+            </a:r>
+            <a:r>
               <a:rPr lang="en-US" dirty="0"/>
-              <a:t> on the course web page for details</a:t>
+              <a:t>on the course web page for details</a:t>
             </a:r>
           </a:p>
         </p:txBody>
@@ -17381,7 +18920,19 @@
             </a:r>
             <a:r>
               <a:rPr lang="en-US" sz="2400" dirty="0"/>
-              <a:t>-1, the model fits separate slopes for each logit</a:t>
+              <a:t>-1, the model fits </a:t>
+            </a:r>
+            <a:r>
+              <a:rPr lang="en-US" sz="2400" dirty="0">
+                <a:solidFill>
+                  <a:srgbClr val="0070C0"/>
+                </a:solidFill>
+              </a:rPr>
+              <a:t>separate slopes </a:t>
+            </a:r>
+            <a:r>
+              <a:rPr lang="en-US" sz="2400" dirty="0"/>
+              <a:t>for each logit</a:t>
             </a:r>
           </a:p>
           <a:p>
@@ -17856,17 +19407,24 @@
                 <a:latin typeface="Courier New" panose="02070309020205020404" pitchFamily="49" charset="0"/>
                 <a:cs typeface="Courier New" panose="02070309020205020404" pitchFamily="49" charset="0"/>
               </a:rPr>
-              <a:t>, ref="</a:t>
-            </a:r>
-            <a:r>
-              <a:rPr lang="en-US" sz="1600" dirty="0" err="1">
+              <a:t>, </a:t>
+            </a:r>
+            <a:r>
+              <a:rPr lang="en-US" sz="1600" b="1" dirty="0">
+                <a:latin typeface="Courier New" panose="02070309020205020404" pitchFamily="49" charset="0"/>
+                <a:cs typeface="Courier New" panose="02070309020205020404" pitchFamily="49" charset="0"/>
+              </a:rPr>
+              <a:t>ref="</a:t>
+            </a:r>
+            <a:r>
+              <a:rPr lang="en-US" sz="1600" b="1" dirty="0" err="1">
                 <a:latin typeface="Courier New" panose="02070309020205020404" pitchFamily="49" charset="0"/>
                 <a:cs typeface="Courier New" panose="02070309020205020404" pitchFamily="49" charset="0"/>
               </a:rPr>
               <a:t>not.work</a:t>
             </a:r>
             <a:r>
-              <a:rPr lang="en-US" sz="1600" dirty="0">
+              <a:rPr lang="en-US" sz="1600" b="1" dirty="0">
                 <a:latin typeface="Courier New" panose="02070309020205020404" pitchFamily="49" charset="0"/>
                 <a:cs typeface="Courier New" panose="02070309020205020404" pitchFamily="49" charset="0"/>
               </a:rPr>
@@ -18807,7 +20365,15 @@
           <a:p>
             <a:r>
               <a:rPr lang="en-US" dirty="0"/>
-              <a:t>Each 1000$ of husband’s income:</a:t>
+              <a:t>Each 1000$ of </a:t>
+            </a:r>
+            <a:r>
+              <a:rPr lang="en-US" b="1" dirty="0"/>
+              <a:t>husband’s income</a:t>
+            </a:r>
+            <a:r>
+              <a:rPr lang="en-US" dirty="0"/>
+              <a:t>:</a:t>
             </a:r>
           </a:p>
           <a:p>
@@ -18841,7 +20407,15 @@
           <a:p>
             <a:r>
               <a:rPr lang="en-US" dirty="0"/>
-              <a:t>Having young children:</a:t>
+              <a:t>Having </a:t>
+            </a:r>
+            <a:r>
+              <a:rPr lang="en-US" b="1" dirty="0"/>
+              <a:t>young children</a:t>
+            </a:r>
+            <a:r>
+              <a:rPr lang="en-US" dirty="0"/>
+              <a:t>:</a:t>
             </a:r>
           </a:p>
           <a:p>
@@ -20085,7 +21659,7 @@
 </file>
 
 <file path=ppt/slides/slide5.xml><?xml version="1.0" encoding="utf-8"?>
-<p:sld xmlns:a="http://schemas.openxmlformats.org/drawingml/2006/main" xmlns:r="http://schemas.openxmlformats.org/officeDocument/2006/relationships" xmlns:p="http://schemas.openxmlformats.org/presentationml/2006/main">
+<p:sld xmlns:a="http://schemas.openxmlformats.org/drawingml/2006/main" xmlns:r="http://schemas.openxmlformats.org/officeDocument/2006/relationships" xmlns:p="http://schemas.openxmlformats.org/presentationml/2006/main" show="0">
   <p:cSld>
     <p:spTree>
       <p:nvGrpSpPr>
@@ -20246,7 +21820,7 @@
                 <a:latin typeface="Courier New" panose="02070309020205020404" pitchFamily="49" charset="0"/>
                 <a:cs typeface="Courier New" panose="02070309020205020404" pitchFamily="49" charset="0"/>
               </a:rPr>
-              <a:t>ggpairs</a:t>
+              <a:t>gpairs</a:t>
             </a:r>
             <a:r>
               <a:rPr lang="en-US" b="1" dirty="0">
@@ -20448,7 +22022,7 @@
           <a:p>
             <a:r>
               <a:rPr lang="en-US" dirty="0"/>
-              <a:t>Example from Fox &amp; Anderson (2006); data from 1997 British Election Panel (BEPS), N=1325</a:t>
+              <a:t>Example from Fox &amp; Anderson (2006); data from 1997-2001 British Election Panel Survey (BEPS), N=1325</a:t>
             </a:r>
           </a:p>
         </p:txBody>
@@ -20459,36 +22033,6 @@
             <a:extLst>
               <a:ext uri="{FF2B5EF4-FFF2-40B4-BE49-F238E27FC236}">
                 <a16:creationId xmlns:a16="http://schemas.microsoft.com/office/drawing/2014/main" id="{8FF02B63-D28F-435A-987D-27E5EB8D9690}"/>
-              </a:ext>
-            </a:extLst>
-          </p:cNvPr>
-          <p:cNvPicPr>
-            <a:picLocks noChangeAspect="1"/>
-          </p:cNvPicPr>
-          <p:nvPr/>
-        </p:nvPicPr>
-        <p:blipFill>
-          <a:blip r:embed="rId2"/>
-          <a:stretch>
-            <a:fillRect/>
-          </a:stretch>
-        </p:blipFill>
-        <p:spPr>
-          <a:xfrm>
-            <a:off x="486286" y="2456318"/>
-            <a:ext cx="8171428" cy="2209524"/>
-          </a:xfrm>
-          <a:prstGeom prst="rect">
-            <a:avLst/>
-          </a:prstGeom>
-        </p:spPr>
-      </p:pic>
-      <p:pic>
-        <p:nvPicPr>
-          <p:cNvPr id="6" name="Picture 5">
-            <a:extLst>
-              <a:ext uri="{FF2B5EF4-FFF2-40B4-BE49-F238E27FC236}">
-                <a16:creationId xmlns:a16="http://schemas.microsoft.com/office/drawing/2014/main" id="{63132E0C-3DB5-4D77-8382-DC27C116ED77}"/>
               </a:ext>
             </a:extLst>
           </p:cNvPr>
@@ -20505,7 +22049,37 @@
         </p:blipFill>
         <p:spPr>
           <a:xfrm>
-            <a:off x="457200" y="4770120"/>
+            <a:off x="486286" y="2514876"/>
+            <a:ext cx="8171428" cy="2209524"/>
+          </a:xfrm>
+          <a:prstGeom prst="rect">
+            <a:avLst/>
+          </a:prstGeom>
+        </p:spPr>
+      </p:pic>
+      <p:pic>
+        <p:nvPicPr>
+          <p:cNvPr id="6" name="Picture 5">
+            <a:extLst>
+              <a:ext uri="{FF2B5EF4-FFF2-40B4-BE49-F238E27FC236}">
+                <a16:creationId xmlns:a16="http://schemas.microsoft.com/office/drawing/2014/main" id="{63132E0C-3DB5-4D77-8382-DC27C116ED77}"/>
+              </a:ext>
+            </a:extLst>
+          </p:cNvPr>
+          <p:cNvPicPr>
+            <a:picLocks noChangeAspect="1"/>
+          </p:cNvPicPr>
+          <p:nvPr/>
+        </p:nvPicPr>
+        <p:blipFill>
+          <a:blip r:embed="rId4"/>
+          <a:stretch>
+            <a:fillRect/>
+          </a:stretch>
+        </p:blipFill>
+        <p:spPr>
+          <a:xfrm>
+            <a:off x="457200" y="4895990"/>
             <a:ext cx="8171428" cy="1123810"/>
           </a:xfrm>
           <a:prstGeom prst="rect">
@@ -22193,16 +23767,22 @@
               <a:t> – 1 separate independent models  Additive </a:t>
             </a:r>
             <a:r>
-              <a:rPr lang="el-GR" sz="2000" dirty="0">
+              <a:rPr lang="en-CA" sz="2000" dirty="0">
                 <a:sym typeface="Symbol" panose="05050102010706020507" pitchFamily="18" charset="2"/>
               </a:rPr>
-              <a:t>χ</a:t>
+              <a:t>G</a:t>
+            </a:r>
+            <a:r>
+              <a:rPr lang="en-US" sz="2000" baseline="30000" dirty="0">
+                <a:sym typeface="Symbol" panose="05050102010706020507" pitchFamily="18" charset="2"/>
+              </a:rPr>
+              <a:t>2</a:t>
             </a:r>
             <a:r>
               <a:rPr lang="en-US" sz="2000" dirty="0">
                 <a:sym typeface="Symbol" panose="05050102010706020507" pitchFamily="18" charset="2"/>
               </a:rPr>
-              <a:t>2 values</a:t>
+              <a:t> values</a:t>
             </a:r>
           </a:p>
           <a:p>
@@ -23166,7 +24746,21 @@
                 <a:latin typeface="Courier New" panose="02070309020205020404" pitchFamily="49" charset="0"/>
                 <a:cs typeface="Courier New" panose="02070309020205020404" pitchFamily="49" charset="0"/>
               </a:rPr>
-              <a:t>(survived=="yes"), color=sex)) + </a:t>
+              <a:t>(survived=="yes"), </a:t>
+            </a:r>
+            <a:r>
+              <a:rPr lang="en-US" sz="1600" b="1" dirty="0">
+                <a:latin typeface="Courier New" panose="02070309020205020404" pitchFamily="49" charset="0"/>
+                <a:cs typeface="Courier New" panose="02070309020205020404" pitchFamily="49" charset="0"/>
+              </a:rPr>
+              <a:t>color=sex</a:t>
+            </a:r>
+            <a:r>
+              <a:rPr lang="en-US" sz="1600" dirty="0">
+                <a:latin typeface="Courier New" panose="02070309020205020404" pitchFamily="49" charset="0"/>
+                <a:cs typeface="Courier New" panose="02070309020205020404" pitchFamily="49" charset="0"/>
+              </a:rPr>
+              <a:t>)) + </a:t>
             </a:r>
           </a:p>
           <a:p>
@@ -23247,7 +24841,19 @@
           <a:p>
             <a:r>
               <a:rPr lang="en-US" dirty="0"/>
-              <a:t>Basic plot: survived vs. age, colored by sex, with jittered points</a:t>
+              <a:t>Basic plot: survived vs. age, </a:t>
+            </a:r>
+            <a:r>
+              <a:rPr lang="en-US" dirty="0">
+                <a:solidFill>
+                  <a:srgbClr val="0070C0"/>
+                </a:solidFill>
+              </a:rPr>
+              <a:t>colored by sex</a:t>
+            </a:r>
+            <a:r>
+              <a:rPr lang="en-US" dirty="0"/>
+              <a:t>, with jittered points</a:t>
             </a:r>
           </a:p>
         </p:txBody>
@@ -23267,7 +24873,7 @@
         <p:spPr>
           <a:xfrm>
             <a:off x="533400" y="3352800"/>
-            <a:ext cx="8077200" cy="369332"/>
+            <a:ext cx="8077200" cy="646331"/>
           </a:xfrm>
           <a:prstGeom prst="rect">
             <a:avLst/>
@@ -23282,7 +24888,19 @@
           <a:p>
             <a:r>
               <a:rPr lang="en-US" dirty="0"/>
-              <a:t>To this we can add conditional logistic fits using </a:t>
+              <a:t>To this we can add </a:t>
+            </a:r>
+            <a:r>
+              <a:rPr lang="en-US" dirty="0">
+                <a:solidFill>
+                  <a:srgbClr val="0070C0"/>
+                </a:solidFill>
+              </a:rPr>
+              <a:t>conditional logistic fits</a:t>
+            </a:r>
+            <a:r>
+              <a:rPr lang="en-US" dirty="0"/>
+              <a:t> using </a:t>
             </a:r>
             <a:r>
               <a:rPr lang="en-US" b="1" dirty="0" err="1">
@@ -23333,6 +24951,29 @@
               <a:t>”)</a:t>
             </a:r>
           </a:p>
+          <a:p>
+            <a:r>
+              <a:rPr lang="en-US" dirty="0">
+                <a:cs typeface="Courier New" panose="02070309020205020404" pitchFamily="49" charset="0"/>
+              </a:rPr>
+              <a:t>This is plotted on the probability scale, but reflects a </a:t>
+            </a:r>
+            <a:r>
+              <a:rPr lang="en-US" dirty="0">
+                <a:solidFill>
+                  <a:srgbClr val="0070C0"/>
+                </a:solidFill>
+                <a:cs typeface="Courier New" panose="02070309020205020404" pitchFamily="49" charset="0"/>
+              </a:rPr>
+              <a:t>linear relation </a:t>
+            </a:r>
+            <a:r>
+              <a:rPr lang="en-US" dirty="0">
+                <a:cs typeface="Courier New" panose="02070309020205020404" pitchFamily="49" charset="0"/>
+              </a:rPr>
+              <a:t>with log odds.</a:t>
+            </a:r>
+          </a:p>
         </p:txBody>
       </p:sp>
       <p:sp>
@@ -23349,7 +24990,7 @@
         </p:nvSpPr>
         <p:spPr>
           <a:xfrm>
-            <a:off x="533400" y="4146550"/>
+            <a:off x="533400" y="4297740"/>
             <a:ext cx="8077200" cy="1569660"/>
           </a:xfrm>
           <a:prstGeom prst="rect">
@@ -23402,7 +25043,7 @@
                 <a:latin typeface="Courier New" panose="02070309020205020404" pitchFamily="49" charset="0"/>
                 <a:cs typeface="Courier New" panose="02070309020205020404" pitchFamily="49" charset="0"/>
               </a:rPr>
-              <a:t>", </a:t>
+              <a:t>" , </a:t>
             </a:r>
           </a:p>
           <a:p>
@@ -23425,16 +25066,44 @@
                 <a:latin typeface="Courier New" panose="02070309020205020404" pitchFamily="49" charset="0"/>
                 <a:cs typeface="Courier New" panose="02070309020205020404" pitchFamily="49" charset="0"/>
               </a:rPr>
-              <a:t> = list(family = binomial), </a:t>
-            </a:r>
-          </a:p>
-          <a:p>
-            <a:r>
-              <a:rPr lang="en-US" sz="1600" dirty="0">
-                <a:latin typeface="Courier New" panose="02070309020205020404" pitchFamily="49" charset="0"/>
-                <a:cs typeface="Courier New" panose="02070309020205020404" pitchFamily="49" charset="0"/>
-              </a:rPr>
-              <a:t>                 formula = y ~ x,</a:t>
+              <a:t> = list(</a:t>
+            </a:r>
+            <a:r>
+              <a:rPr lang="en-US" sz="1600" b="1" dirty="0">
+                <a:latin typeface="Courier New" panose="02070309020205020404" pitchFamily="49" charset="0"/>
+                <a:cs typeface="Courier New" panose="02070309020205020404" pitchFamily="49" charset="0"/>
+              </a:rPr>
+              <a:t>family = binomial</a:t>
+            </a:r>
+            <a:r>
+              <a:rPr lang="en-US" sz="1600" dirty="0">
+                <a:latin typeface="Courier New" panose="02070309020205020404" pitchFamily="49" charset="0"/>
+                <a:cs typeface="Courier New" panose="02070309020205020404" pitchFamily="49" charset="0"/>
+              </a:rPr>
+              <a:t>), </a:t>
+            </a:r>
+          </a:p>
+          <a:p>
+            <a:r>
+              <a:rPr lang="en-US" sz="1600" dirty="0">
+                <a:latin typeface="Courier New" panose="02070309020205020404" pitchFamily="49" charset="0"/>
+                <a:cs typeface="Courier New" panose="02070309020205020404" pitchFamily="49" charset="0"/>
+              </a:rPr>
+              <a:t>                 formula = </a:t>
+            </a:r>
+            <a:r>
+              <a:rPr lang="en-US" sz="1600" b="1" dirty="0">
+                <a:latin typeface="Courier New" panose="02070309020205020404" pitchFamily="49" charset="0"/>
+                <a:cs typeface="Courier New" panose="02070309020205020404" pitchFamily="49" charset="0"/>
+              </a:rPr>
+              <a:t>y ~ x</a:t>
+            </a:r>
+            <a:r>
+              <a:rPr lang="en-US" sz="1600" dirty="0">
+                <a:latin typeface="Courier New" panose="02070309020205020404" pitchFamily="49" charset="0"/>
+                <a:cs typeface="Courier New" panose="02070309020205020404" pitchFamily="49" charset="0"/>
+              </a:rPr>
+              <a:t>,</a:t>
             </a:r>
           </a:p>
           <a:p>
@@ -23663,8 +25332,21 @@
             </a:r>
             <a:r>
               <a:rPr lang="en-US" sz="2000" dirty="0"/>
-              <a:t>functions: ns(age, df)</a:t>
-            </a:r>
+              <a:t>functions: ns(age, </a:t>
+            </a:r>
+            <a:r>
+              <a:rPr lang="en-US" sz="2000" dirty="0" err="1"/>
+              <a:t>df</a:t>
+            </a:r>
+            <a:r>
+              <a:rPr lang="en-US" sz="2000" dirty="0"/>
+              <a:t>) – more flexible shape, with control of number of </a:t>
+            </a:r>
+            <a:r>
+              <a:rPr lang="en-US" sz="2000" dirty="0" err="1"/>
+              <a:t>df</a:t>
+            </a:r>
+            <a:endParaRPr lang="en-US" sz="2000" dirty="0"/>
           </a:p>
           <a:p>
             <a:pPr lvl="1"/>
@@ -23957,7 +25639,15 @@
           <a:p>
             <a:r>
               <a:rPr lang="en-US" dirty="0"/>
-              <a:t>                 formula = y ~ poly(x,2), alpha = 0.2, size=2, </a:t>
+              <a:t>                 formula = </a:t>
+            </a:r>
+            <a:r>
+              <a:rPr lang="en-US" b="1" dirty="0"/>
+              <a:t>y ~ poly(x,2), </a:t>
+            </a:r>
+            <a:r>
+              <a:rPr lang="en-US" dirty="0"/>
+              <a:t>alpha = 0.2, size=2, </a:t>
             </a:r>
             <a:r>
               <a:rPr lang="en-US" dirty="0" err="1"/>
@@ -23985,7 +25675,7 @@
         <p:spPr>
           <a:xfrm>
             <a:off x="533400" y="1981200"/>
-            <a:ext cx="2743200" cy="1754326"/>
+            <a:ext cx="2743200" cy="2862322"/>
           </a:xfrm>
           <a:prstGeom prst="rect">
             <a:avLst/>
@@ -24009,7 +25699,24 @@
           <a:p>
             <a:r>
               <a:rPr lang="en-US" dirty="0"/>
-              <a:t>This highlights the very high survival among young women</a:t>
+              <a:t>This highlights the very high survival among young women (but not infants)</a:t>
+            </a:r>
+          </a:p>
+          <a:p>
+            <a:endParaRPr lang="en-US" dirty="0"/>
+          </a:p>
+          <a:p>
+            <a:r>
+              <a:rPr lang="en-US" dirty="0"/>
+              <a:t>Using library(splines) and formula=</a:t>
+            </a:r>
+            <a:r>
+              <a:rPr lang="en-US" b="1" dirty="0"/>
+              <a:t>y ~ ns(x,2) </a:t>
+            </a:r>
+            <a:r>
+              <a:rPr lang="en-US" dirty="0"/>
+              <a:t>gives nearly identical results</a:t>
             </a:r>
           </a:p>
         </p:txBody>
@@ -24323,6 +26030,301 @@
         <a:sysClr val="window" lastClr="FFFFFF"/>
       </a:lt1>
       <a:dk2>
+        <a:srgbClr val="44546A"/>
+      </a:dk2>
+      <a:lt2>
+        <a:srgbClr val="E7E6E6"/>
+      </a:lt2>
+      <a:accent1>
+        <a:srgbClr val="4472C4"/>
+      </a:accent1>
+      <a:accent2>
+        <a:srgbClr val="ED7D31"/>
+      </a:accent2>
+      <a:accent3>
+        <a:srgbClr val="A5A5A5"/>
+      </a:accent3>
+      <a:accent4>
+        <a:srgbClr val="FFC000"/>
+      </a:accent4>
+      <a:accent5>
+        <a:srgbClr val="5B9BD5"/>
+      </a:accent5>
+      <a:accent6>
+        <a:srgbClr val="70AD47"/>
+      </a:accent6>
+      <a:hlink>
+        <a:srgbClr val="0563C1"/>
+      </a:hlink>
+      <a:folHlink>
+        <a:srgbClr val="954F72"/>
+      </a:folHlink>
+    </a:clrScheme>
+    <a:fontScheme name="Office">
+      <a:majorFont>
+        <a:latin typeface="Calibri Light" panose="020F0302020204030204"/>
+        <a:ea typeface=""/>
+        <a:cs typeface=""/>
+        <a:font script="Jpan" typeface="游ゴシック Light"/>
+        <a:font script="Hang" typeface="맑은 고딕"/>
+        <a:font script="Hans" typeface="等线 Light"/>
+        <a:font script="Hant" typeface="新細明體"/>
+        <a:font script="Arab" typeface="Times New Roman"/>
+        <a:font script="Hebr" typeface="Times New Roman"/>
+        <a:font script="Thai" typeface="Angsana New"/>
+        <a:font script="Ethi" typeface="Nyala"/>
+        <a:font script="Beng" typeface="Vrinda"/>
+        <a:font script="Gujr" typeface="Shruti"/>
+        <a:font script="Khmr" typeface="MoolBoran"/>
+        <a:font script="Knda" typeface="Tunga"/>
+        <a:font script="Guru" typeface="Raavi"/>
+        <a:font script="Cans" typeface="Euphemia"/>
+        <a:font script="Cher" typeface="Plantagenet Cherokee"/>
+        <a:font script="Yiii" typeface="Microsoft Yi Baiti"/>
+        <a:font script="Tibt" typeface="Microsoft Himalaya"/>
+        <a:font script="Thaa" typeface="MV Boli"/>
+        <a:font script="Deva" typeface="Mangal"/>
+        <a:font script="Telu" typeface="Gautami"/>
+        <a:font script="Taml" typeface="Latha"/>
+        <a:font script="Syrc" typeface="Estrangelo Edessa"/>
+        <a:font script="Orya" typeface="Kalinga"/>
+        <a:font script="Mlym" typeface="Kartika"/>
+        <a:font script="Laoo" typeface="DokChampa"/>
+        <a:font script="Sinh" typeface="Iskoola Pota"/>
+        <a:font script="Mong" typeface="Mongolian Baiti"/>
+        <a:font script="Viet" typeface="Times New Roman"/>
+        <a:font script="Uigh" typeface="Microsoft Uighur"/>
+        <a:font script="Geor" typeface="Sylfaen"/>
+        <a:font script="Armn" typeface="Arial"/>
+        <a:font script="Bugi" typeface="Leelawadee UI"/>
+        <a:font script="Bopo" typeface="Microsoft JhengHei"/>
+        <a:font script="Java" typeface="Javanese Text"/>
+        <a:font script="Lisu" typeface="Segoe UI"/>
+        <a:font script="Mymr" typeface="Myanmar Text"/>
+        <a:font script="Nkoo" typeface="Ebrima"/>
+        <a:font script="Olck" typeface="Nirmala UI"/>
+        <a:font script="Osma" typeface="Ebrima"/>
+        <a:font script="Phag" typeface="Phagspa"/>
+        <a:font script="Syrn" typeface="Estrangelo Edessa"/>
+        <a:font script="Syrj" typeface="Estrangelo Edessa"/>
+        <a:font script="Syre" typeface="Estrangelo Edessa"/>
+        <a:font script="Sora" typeface="Nirmala UI"/>
+        <a:font script="Tale" typeface="Microsoft Tai Le"/>
+        <a:font script="Talu" typeface="Microsoft New Tai Lue"/>
+        <a:font script="Tfng" typeface="Ebrima"/>
+      </a:majorFont>
+      <a:minorFont>
+        <a:latin typeface="Calibri" panose="020F0502020204030204"/>
+        <a:ea typeface=""/>
+        <a:cs typeface=""/>
+        <a:font script="Jpan" typeface="游ゴシック"/>
+        <a:font script="Hang" typeface="맑은 고딕"/>
+        <a:font script="Hans" typeface="等线"/>
+        <a:font script="Hant" typeface="新細明體"/>
+        <a:font script="Arab" typeface="Arial"/>
+        <a:font script="Hebr" typeface="Arial"/>
+        <a:font script="Thai" typeface="Cordia New"/>
+        <a:font script="Ethi" typeface="Nyala"/>
+        <a:font script="Beng" typeface="Vrinda"/>
+        <a:font script="Gujr" typeface="Shruti"/>
+        <a:font script="Khmr" typeface="DaunPenh"/>
+        <a:font script="Knda" typeface="Tunga"/>
+        <a:font script="Guru" typeface="Raavi"/>
+        <a:font script="Cans" typeface="Euphemia"/>
+        <a:font script="Cher" typeface="Plantagenet Cherokee"/>
+        <a:font script="Yiii" typeface="Microsoft Yi Baiti"/>
+        <a:font script="Tibt" typeface="Microsoft Himalaya"/>
+        <a:font script="Thaa" typeface="MV Boli"/>
+        <a:font script="Deva" typeface="Mangal"/>
+        <a:font script="Telu" typeface="Gautami"/>
+        <a:font script="Taml" typeface="Latha"/>
+        <a:font script="Syrc" typeface="Estrangelo Edessa"/>
+        <a:font script="Orya" typeface="Kalinga"/>
+        <a:font script="Mlym" typeface="Kartika"/>
+        <a:font script="Laoo" typeface="DokChampa"/>
+        <a:font script="Sinh" typeface="Iskoola Pota"/>
+        <a:font script="Mong" typeface="Mongolian Baiti"/>
+        <a:font script="Viet" typeface="Arial"/>
+        <a:font script="Uigh" typeface="Microsoft Uighur"/>
+        <a:font script="Geor" typeface="Sylfaen"/>
+        <a:font script="Armn" typeface="Arial"/>
+        <a:font script="Bugi" typeface="Leelawadee UI"/>
+        <a:font script="Bopo" typeface="Microsoft JhengHei"/>
+        <a:font script="Java" typeface="Javanese Text"/>
+        <a:font script="Lisu" typeface="Segoe UI"/>
+        <a:font script="Mymr" typeface="Myanmar Text"/>
+        <a:font script="Nkoo" typeface="Ebrima"/>
+        <a:font script="Olck" typeface="Nirmala UI"/>
+        <a:font script="Osma" typeface="Ebrima"/>
+        <a:font script="Phag" typeface="Phagspa"/>
+        <a:font script="Syrn" typeface="Estrangelo Edessa"/>
+        <a:font script="Syrj" typeface="Estrangelo Edessa"/>
+        <a:font script="Syre" typeface="Estrangelo Edessa"/>
+        <a:font script="Sora" typeface="Nirmala UI"/>
+        <a:font script="Tale" typeface="Microsoft Tai Le"/>
+        <a:font script="Talu" typeface="Microsoft New Tai Lue"/>
+        <a:font script="Tfng" typeface="Ebrima"/>
+      </a:minorFont>
+    </a:fontScheme>
+    <a:fmtScheme name="Office">
+      <a:fillStyleLst>
+        <a:solidFill>
+          <a:schemeClr val="phClr"/>
+        </a:solidFill>
+        <a:gradFill rotWithShape="1">
+          <a:gsLst>
+            <a:gs pos="0">
+              <a:schemeClr val="phClr">
+                <a:lumMod val="110000"/>
+                <a:satMod val="105000"/>
+                <a:tint val="67000"/>
+              </a:schemeClr>
+            </a:gs>
+            <a:gs pos="50000">
+              <a:schemeClr val="phClr">
+                <a:lumMod val="105000"/>
+                <a:satMod val="103000"/>
+                <a:tint val="73000"/>
+              </a:schemeClr>
+            </a:gs>
+            <a:gs pos="100000">
+              <a:schemeClr val="phClr">
+                <a:lumMod val="105000"/>
+                <a:satMod val="109000"/>
+                <a:tint val="81000"/>
+              </a:schemeClr>
+            </a:gs>
+          </a:gsLst>
+          <a:lin ang="5400000" scaled="0"/>
+        </a:gradFill>
+        <a:gradFill rotWithShape="1">
+          <a:gsLst>
+            <a:gs pos="0">
+              <a:schemeClr val="phClr">
+                <a:satMod val="103000"/>
+                <a:lumMod val="102000"/>
+                <a:tint val="94000"/>
+              </a:schemeClr>
+            </a:gs>
+            <a:gs pos="50000">
+              <a:schemeClr val="phClr">
+                <a:satMod val="110000"/>
+                <a:lumMod val="100000"/>
+                <a:shade val="100000"/>
+              </a:schemeClr>
+            </a:gs>
+            <a:gs pos="100000">
+              <a:schemeClr val="phClr">
+                <a:lumMod val="99000"/>
+                <a:satMod val="120000"/>
+                <a:shade val="78000"/>
+              </a:schemeClr>
+            </a:gs>
+          </a:gsLst>
+          <a:lin ang="5400000" scaled="0"/>
+        </a:gradFill>
+      </a:fillStyleLst>
+      <a:lnStyleLst>
+        <a:ln w="6350" cap="flat" cmpd="sng" algn="ctr">
+          <a:solidFill>
+            <a:schemeClr val="phClr"/>
+          </a:solidFill>
+          <a:prstDash val="solid"/>
+          <a:miter lim="800000"/>
+        </a:ln>
+        <a:ln w="12700" cap="flat" cmpd="sng" algn="ctr">
+          <a:solidFill>
+            <a:schemeClr val="phClr"/>
+          </a:solidFill>
+          <a:prstDash val="solid"/>
+          <a:miter lim="800000"/>
+        </a:ln>
+        <a:ln w="19050" cap="flat" cmpd="sng" algn="ctr">
+          <a:solidFill>
+            <a:schemeClr val="phClr"/>
+          </a:solidFill>
+          <a:prstDash val="solid"/>
+          <a:miter lim="800000"/>
+        </a:ln>
+      </a:lnStyleLst>
+      <a:effectStyleLst>
+        <a:effectStyle>
+          <a:effectLst/>
+        </a:effectStyle>
+        <a:effectStyle>
+          <a:effectLst/>
+        </a:effectStyle>
+        <a:effectStyle>
+          <a:effectLst>
+            <a:outerShdw blurRad="57150" dist="19050" dir="5400000" algn="ctr" rotWithShape="0">
+              <a:srgbClr val="000000">
+                <a:alpha val="63000"/>
+              </a:srgbClr>
+            </a:outerShdw>
+          </a:effectLst>
+        </a:effectStyle>
+      </a:effectStyleLst>
+      <a:bgFillStyleLst>
+        <a:solidFill>
+          <a:schemeClr val="phClr"/>
+        </a:solidFill>
+        <a:solidFill>
+          <a:schemeClr val="phClr">
+            <a:tint val="95000"/>
+            <a:satMod val="170000"/>
+          </a:schemeClr>
+        </a:solidFill>
+        <a:gradFill rotWithShape="1">
+          <a:gsLst>
+            <a:gs pos="0">
+              <a:schemeClr val="phClr">
+                <a:tint val="93000"/>
+                <a:satMod val="150000"/>
+                <a:shade val="98000"/>
+                <a:lumMod val="102000"/>
+              </a:schemeClr>
+            </a:gs>
+            <a:gs pos="50000">
+              <a:schemeClr val="phClr">
+                <a:tint val="98000"/>
+                <a:satMod val="130000"/>
+                <a:shade val="90000"/>
+                <a:lumMod val="103000"/>
+              </a:schemeClr>
+            </a:gs>
+            <a:gs pos="100000">
+              <a:schemeClr val="phClr">
+                <a:shade val="63000"/>
+                <a:satMod val="120000"/>
+              </a:schemeClr>
+            </a:gs>
+          </a:gsLst>
+          <a:lin ang="5400000" scaled="0"/>
+        </a:gradFill>
+      </a:bgFillStyleLst>
+    </a:fmtScheme>
+  </a:themeElements>
+  <a:objectDefaults/>
+  <a:extraClrSchemeLst/>
+  <a:extLst>
+    <a:ext uri="{05A4C25C-085E-4340-85A3-A5531E510DB2}">
+      <thm15:themeFamily xmlns:thm15="http://schemas.microsoft.com/office/thememl/2012/main" name="Office Theme 2013 - 2022" id="{62F939B6-93AF-4DB8-9C6B-D6C7DFDC589F}" vid="{4A3C46E8-61CC-4603-A589-7422A47A8E4A}"/>
+    </a:ext>
+  </a:extLst>
+</a:theme>
+</file>
+
+<file path=ppt/theme/theme3.xml><?xml version="1.0" encoding="utf-8"?>
+<a:theme xmlns:a="http://schemas.openxmlformats.org/drawingml/2006/main" name="Office Theme">
+  <a:themeElements>
+    <a:clrScheme name="Office">
+      <a:dk1>
+        <a:sysClr val="windowText" lastClr="000000"/>
+      </a:dk1>
+      <a:lt1>
+        <a:sysClr val="window" lastClr="FFFFFF"/>
+      </a:lt1>
+      <a:dk2>
         <a:srgbClr val="1F497D"/>
       </a:dk2>
       <a:lt2>
